--- a/RSA_Presentations/RSA_Research_Presentation_AronSchwartz.pptx
+++ b/RSA_Presentations/RSA_Research_Presentation_AronSchwartz.pptx
@@ -377,7 +377,7 @@
           <a:p>
             <a:fld id="{9184DA70-C731-4C70-880D-CCD4705E623C}" type="datetime1">
               <a:rPr lang="en-US" smtClean="0"/>
-              <a:t>7/29/2020</a:t>
+              <a:t>7/31/2020</a:t>
             </a:fld>
             <a:endParaRPr lang="en-US" dirty="0"/>
           </a:p>
@@ -565,7 +565,7 @@
           <a:p>
             <a:fld id="{B612A279-0833-481D-8C56-F67FD0AC6C50}" type="datetime1">
               <a:rPr lang="en-US" smtClean="0"/>
-              <a:t>7/29/2020</a:t>
+              <a:t>7/31/2020</a:t>
             </a:fld>
             <a:endParaRPr lang="en-US" dirty="0"/>
           </a:p>
@@ -807,7 +807,7 @@
           <a:p>
             <a:fld id="{6587DA83-5663-4C9C-B9AA-0B40A3DAFF81}" type="datetime1">
               <a:rPr lang="en-US" smtClean="0"/>
-              <a:t>7/29/2020</a:t>
+              <a:t>7/31/2020</a:t>
             </a:fld>
             <a:endParaRPr lang="en-US" dirty="0"/>
           </a:p>
@@ -995,7 +995,7 @@
           <a:p>
             <a:fld id="{4BE1D723-8F53-4F53-90B0-1982A396982E}" type="datetime1">
               <a:rPr lang="en-US" smtClean="0"/>
-              <a:t>7/29/2020</a:t>
+              <a:t>7/31/2020</a:t>
             </a:fld>
             <a:endParaRPr lang="en-US" dirty="0"/>
           </a:p>
@@ -1368,7 +1368,7 @@
           <a:p>
             <a:fld id="{97669AF7-7BEB-44E4-9852-375E34362B5B}" type="datetime1">
               <a:rPr lang="en-US" smtClean="0"/>
-              <a:t>7/29/2020</a:t>
+              <a:t>7/31/2020</a:t>
             </a:fld>
             <a:endParaRPr lang="en-US" dirty="0"/>
           </a:p>
@@ -1623,7 +1623,7 @@
           <a:p>
             <a:fld id="{BAAAC38D-0552-4C82-B593-E6124DFADBE2}" type="datetime1">
               <a:rPr lang="en-US" smtClean="0"/>
-              <a:t>7/29/2020</a:t>
+              <a:t>7/31/2020</a:t>
             </a:fld>
             <a:endParaRPr lang="en-US" dirty="0"/>
           </a:p>
@@ -2020,7 +2020,7 @@
           <a:p>
             <a:fld id="{D9DF0F1C-5577-4ACB-BB62-DF8F3C494C7E}" type="datetime1">
               <a:rPr lang="en-US" smtClean="0"/>
-              <a:t>7/29/2020</a:t>
+              <a:t>7/31/2020</a:t>
             </a:fld>
             <a:endParaRPr lang="en-US" dirty="0"/>
           </a:p>
@@ -2156,7 +2156,7 @@
           <a:p>
             <a:fld id="{1775B394-D9F9-4F0C-B15D-605F45CB9E9F}" type="datetime1">
               <a:rPr lang="en-US" smtClean="0"/>
-              <a:t>7/29/2020</a:t>
+              <a:t>7/31/2020</a:t>
             </a:fld>
             <a:endParaRPr lang="en-US" dirty="0"/>
           </a:p>
@@ -2313,7 +2313,7 @@
           <a:p>
             <a:fld id="{39667345-2558-425A-8533-9BFDBCE15005}" type="datetime1">
               <a:rPr lang="en-US" smtClean="0"/>
-              <a:t>7/29/2020</a:t>
+              <a:t>7/31/2020</a:t>
             </a:fld>
             <a:endParaRPr lang="en-US" dirty="0"/>
           </a:p>
@@ -2642,7 +2642,7 @@
           <a:p>
             <a:fld id="{92BEA474-078D-4E9B-9B14-09A87B19DC46}" type="datetime1">
               <a:rPr lang="en-US" smtClean="0"/>
-              <a:t>7/29/2020</a:t>
+              <a:t>7/31/2020</a:t>
             </a:fld>
             <a:endParaRPr lang="en-US" dirty="0"/>
           </a:p>
@@ -2992,7 +2992,7 @@
           <a:p>
             <a:fld id="{4907D986-8816-4272-A432-0437A28A9828}" type="datetime1">
               <a:rPr lang="en-US" smtClean="0"/>
-              <a:t>7/29/2020</a:t>
+              <a:t>7/31/2020</a:t>
             </a:fld>
             <a:endParaRPr lang="en-US" dirty="0"/>
           </a:p>
@@ -3253,7 +3253,7 @@
           <a:p>
             <a:fld id="{62D6E202-B606-4609-B914-27C9371A1F6D}" type="datetime1">
               <a:rPr lang="en-US" smtClean="0"/>
-              <a:t>7/29/2020</a:t>
+              <a:t>7/31/2020</a:t>
             </a:fld>
             <a:endParaRPr lang="en-US" dirty="0"/>
           </a:p>
@@ -4230,7 +4230,7 @@
             </a:pPr>
             <a:r>
               <a:rPr lang="en-US" dirty="0"/>
-              <a:t>A quick google search shows many examples of “Bad RSA key distribution” causing significant security issues for companies</a:t>
+              <a:t>A quick google search shows examples of “Bad RSA key distribution” causing significant security issues for companies</a:t>
             </a:r>
           </a:p>
           <a:p>
@@ -4240,11 +4240,7 @@
             </a:pPr>
             <a:r>
               <a:rPr lang="en-US" b="1" dirty="0"/>
-              <a:t>The question: What causes fixed points?</a:t>
-            </a:r>
-            <a:r>
-              <a:rPr lang="en-US" dirty="0"/>
-              <a:t> What is the relationship between the choice of p, q, e, etc that increases or decreases the “likelihood” of a fixed point occurring?</a:t>
+              <a:t>The question: What causes fixed points? What is the relationship between the choice of p, q, e, etc that increases or decreases the “likelihood” of a fixed point occurring? </a:t>
             </a:r>
           </a:p>
           <a:p>
@@ -4342,7 +4338,9 @@
         </p:nvSpPr>
         <p:spPr/>
         <p:txBody>
-          <a:bodyPr/>
+          <a:bodyPr>
+            <a:normAutofit/>
+          </a:bodyPr>
           <a:lstStyle/>
           <a:p>
             <a:pPr>
@@ -4352,6 +4350,20 @@
             <a:r>
               <a:rPr lang="en-US" dirty="0"/>
               <a:t> Goal: Generate thousands of “septuples” in Python</a:t>
+            </a:r>
+          </a:p>
+          <a:p>
+            <a:pPr lvl="1">
+              <a:buFont typeface="Wingdings" panose="05000000000000000000" pitchFamily="2" charset="2"/>
+              <a:buChar char="q"/>
+            </a:pPr>
+            <a:r>
+              <a:rPr lang="en-US" dirty="0">
+                <a:solidFill>
+                  <a:srgbClr val="FF0000"/>
+                </a:solidFill>
+              </a:rPr>
+              <a:t>HOW DID YOU DO THIS FILL THIS IN, BRIEF OVERVIEW. PRIME COMBOS, ETC</a:t>
             </a:r>
           </a:p>
           <a:p>
@@ -5146,6 +5158,27 @@
               <a:t>and some are bad….</a:t>
             </a:r>
           </a:p>
+          <a:p>
+            <a:pPr>
+              <a:buFont typeface="Wingdings" panose="05000000000000000000" pitchFamily="2" charset="2"/>
+              <a:buChar char="§"/>
+            </a:pPr>
+            <a:endParaRPr lang="en-US" dirty="0"/>
+          </a:p>
+          <a:p>
+            <a:pPr>
+              <a:buFont typeface="Wingdings" panose="05000000000000000000" pitchFamily="2" charset="2"/>
+              <a:buChar char="§"/>
+            </a:pPr>
+            <a:r>
+              <a:rPr lang="en-US" dirty="0">
+                <a:solidFill>
+                  <a:srgbClr val="FF0000"/>
+                </a:solidFill>
+              </a:rPr>
+              <a:t>POSSIBLE REDO THIS SLIDE</a:t>
+            </a:r>
+          </a:p>
         </p:txBody>
       </p:sp>
       <p:pic>
@@ -5675,7 +5708,7 @@
             </a:pPr>
             <a:r>
               <a:rPr lang="en-US" dirty="0"/>
-              <a:t>Randomly creating septuples shows that those with totients near a power of two have the worst transparency, with transparency improving as the totient complexity increases</a:t>
+              <a:t>Randomly creating septuples shows that those with totients near a power of two have the highest transparency, with transparency improving as the totient complexity increases</a:t>
             </a:r>
           </a:p>
           <a:p>
@@ -5802,13 +5835,30 @@
         </p:nvSpPr>
         <p:spPr/>
         <p:txBody>
-          <a:bodyPr/>
-          <a:lstStyle/>
-          <a:p>
-            <a:pPr marL="201168" lvl="1" indent="0">
-              <a:buNone/>
-            </a:pPr>
-            <a:endParaRPr lang="en-US"/>
+          <a:bodyPr>
+            <a:normAutofit/>
+          </a:bodyPr>
+          <a:lstStyle/>
+          <a:p>
+            <a:pPr lvl="1"/>
+            <a:r>
+              <a:rPr lang="en-US" sz="2400" dirty="0"/>
+              <a:t>For starters, it is very interesting (in my opinion_</a:t>
+            </a:r>
+          </a:p>
+          <a:p>
+            <a:pPr lvl="1"/>
+            <a:r>
+              <a:rPr lang="en-US" sz="2400" dirty="0"/>
+              <a:t>Showcase of attention to detail, problem solving, and practical coding</a:t>
+            </a:r>
+          </a:p>
+          <a:p>
+            <a:pPr lvl="1"/>
+            <a:r>
+              <a:rPr lang="en-US" sz="2400" dirty="0"/>
+              <a:t>Represents modeling of an observed phenomenon, which would be relevant for Applied Physicist Role</a:t>
+            </a:r>
           </a:p>
         </p:txBody>
       </p:sp>
@@ -6629,7 +6679,10 @@
               <a:buFont typeface="+mj-lt"/>
               <a:buAutoNum type="arabicPeriod"/>
             </a:pPr>
-            <a:endParaRPr lang="en-US" dirty="0"/>
+            <a:r>
+              <a:rPr lang="en-US" dirty="0"/>
+              <a:t>Demonstration and brief code walkthrough</a:t>
+            </a:r>
           </a:p>
         </p:txBody>
       </p:sp>
@@ -6909,7 +6962,7 @@
             <a:pPr lvl="1"/>
             <a:r>
               <a:rPr lang="en-US" sz="2000" dirty="0"/>
-              <a:t>P, Q -&gt; Two Initial prime numbers chosen at random, typically extremely large (hard to factor)</a:t>
+              <a:t>P, Q -&gt; Two Initial prime numbers chosen at random, typically extremely large (hard to factor, 1024 or 2048 bits)</a:t>
             </a:r>
           </a:p>
           <a:p>
@@ -7315,6 +7368,18 @@
                 <a:sym typeface="Wingdings" panose="05000000000000000000" pitchFamily="2" charset="2"/>
               </a:rPr>
               <a:t></a:t>
+            </a:r>
+          </a:p>
+          <a:p>
+            <a:pPr>
+              <a:buFont typeface="Wingdings" panose="05000000000000000000" pitchFamily="2" charset="2"/>
+              <a:buChar char="§"/>
+            </a:pPr>
+            <a:r>
+              <a:rPr lang="en-US" dirty="0">
+                <a:sym typeface="Wingdings" panose="05000000000000000000" pitchFamily="2" charset="2"/>
+              </a:rPr>
+              <a:t>Not all functions have fixed points. Ex: F(x) = x + 1 </a:t>
             </a:r>
             <a:endParaRPr lang="en-US" dirty="0"/>
           </a:p>
@@ -7484,7 +7549,7 @@
             </a:pPr>
             <a:r>
               <a:rPr lang="en-US" sz="2000" dirty="0"/>
-              <a:t>A fixed point in RSA is a problem.  In indicates a failure of the encryption process, since the cipher text is the same as the plaintext.  A security concern for any system utilizing RSA.</a:t>
+              <a:t>A fixed point in RSA is a problem.  In indicates a failure of the encryption process, since the cipher text is the same as the plaintext.  A security concern for any system utilizing RSA. </a:t>
             </a:r>
             <a:br>
               <a:rPr lang="en-US" sz="2000" dirty="0"/>

--- a/RSA_Presentations/RSA_Research_Presentation_AronSchwartz.pptx
+++ b/RSA_Presentations/RSA_Research_Presentation_AronSchwartz.pptx
@@ -4313,10 +4313,9 @@
           <a:lstStyle/>
           <a:p>
             <a:r>
-              <a:rPr lang="en-US"/>
-              <a:t>Python to generate septs</a:t>
-            </a:r>
-            <a:endParaRPr lang="en-US" dirty="0"/>
+              <a:rPr lang="en-US" dirty="0"/>
+              <a:t>Python to generate septuples</a:t>
+            </a:r>
           </a:p>
         </p:txBody>
       </p:sp>
@@ -4349,7 +4348,7 @@
             </a:pPr>
             <a:r>
               <a:rPr lang="en-US" dirty="0"/>
-              <a:t> Goal: Generate thousands of “septuples” in Python</a:t>
+              <a:t> Goal: Generate thousands of septuples in Python</a:t>
             </a:r>
           </a:p>
           <a:p>
@@ -4360,10 +4359,10 @@
             <a:r>
               <a:rPr lang="en-US" dirty="0">
                 <a:solidFill>
-                  <a:srgbClr val="FF0000"/>
+                  <a:schemeClr val="tx1"/>
                 </a:solidFill>
               </a:rPr>
-              <a:t>HOW DID YOU DO THIS FILL THIS IN, BRIEF OVERVIEW. PRIME COMBOS, ETC</a:t>
+              <a:t>Randomly combine prime numbers</a:t>
             </a:r>
           </a:p>
           <a:p>
@@ -4383,13 +4382,17 @@
             </a:pPr>
             <a:r>
               <a:rPr lang="en-US" dirty="0"/>
-              <a:t> What patterns (if any) emerge with regards to the input parameters and the </a:t>
+              <a:t> </a:t>
+            </a:r>
+            <a:r>
+              <a:rPr lang="en-US" b="1" dirty="0"/>
+              <a:t>What patterns (if any) will emerge with regards to the input parameters and the </a:t>
             </a:r>
             <a:br>
-              <a:rPr lang="en-US" dirty="0"/>
+              <a:rPr lang="en-US" b="1" dirty="0"/>
             </a:br>
             <a:r>
-              <a:rPr lang="en-US" dirty="0"/>
+              <a:rPr lang="en-US" b="1" dirty="0"/>
               <a:t>poorest performing septuples?</a:t>
             </a:r>
           </a:p>
@@ -4461,8 +4464,8 @@
         </p:blipFill>
         <p:spPr>
           <a:xfrm>
-            <a:off x="4945684" y="3642969"/>
-            <a:ext cx="6448425" cy="2381250"/>
+            <a:off x="5363852" y="3866581"/>
+            <a:ext cx="5791828" cy="2138784"/>
           </a:xfrm>
           <a:prstGeom prst="rect">
             <a:avLst/>
@@ -4988,7 +4991,11 @@
             </a:pPr>
             <a:r>
               <a:rPr lang="en-US" dirty="0"/>
-              <a:t> What other factors matter?  Perhaps E?  </a:t>
+              <a:t> </a:t>
+            </a:r>
+            <a:r>
+              <a:rPr lang="en-US" b="1" dirty="0"/>
+              <a:t>What other factors matter?  Perhaps E?  </a:t>
             </a:r>
           </a:p>
           <a:p>
@@ -4998,7 +5005,7 @@
             </a:pPr>
             <a:r>
               <a:rPr lang="en-US" dirty="0"/>
-              <a:t> Goal 2: Pick some “bad” septuples and vary E and observe the results</a:t>
+              <a:t> Next task: Pick some “bad” septuples, vary the E parameter, and observe the results</a:t>
             </a:r>
           </a:p>
           <a:p>
@@ -5008,7 +5015,7 @@
             </a:pPr>
             <a:r>
               <a:rPr lang="en-US" dirty="0"/>
-              <a:t>Vary E between all primes from 2 to 65537</a:t>
+              <a:t>Vary E between all primes from 2 to 65537and observer results…do the “bad” septuples remain bad? Do the “good” septuples remain good?</a:t>
             </a:r>
           </a:p>
         </p:txBody>
@@ -5096,7 +5103,7 @@
           <a:p>
             <a:r>
               <a:rPr lang="en-US" dirty="0"/>
-              <a:t>Transparency Profile Screenshots</a:t>
+              <a:t>Transparency Profiles based on E</a:t>
             </a:r>
           </a:p>
         </p:txBody>
@@ -5128,7 +5135,14 @@
             </a:pPr>
             <a:r>
               <a:rPr lang="en-US" dirty="0"/>
-              <a:t> Choice of E matters for resulting transparency.</a:t>
+              <a:t> Answer: Yes, the Choice of E matters for resulting </a:t>
+            </a:r>
+            <a:br>
+              <a:rPr lang="en-US" dirty="0"/>
+            </a:br>
+            <a:r>
+              <a:rPr lang="en-US" dirty="0"/>
+              <a:t>                transparency.  </a:t>
             </a:r>
           </a:p>
           <a:p>
@@ -5142,42 +5156,14 @@
             </a:r>
           </a:p>
           <a:p>
-            <a:pPr>
-              <a:buFont typeface="Wingdings" panose="05000000000000000000" pitchFamily="2" charset="2"/>
-              <a:buChar char="§"/>
+            <a:pPr marL="0" indent="0">
+              <a:buNone/>
             </a:pPr>
-            <a:r>
-              <a:rPr lang="en-US" dirty="0"/>
-              <a:t> Why is this interesting? Of course some keys are good</a:t>
-            </a:r>
-            <a:br>
-              <a:rPr lang="en-US" dirty="0"/>
-            </a:br>
-            <a:r>
-              <a:rPr lang="en-US" dirty="0"/>
-              <a:t>and some are bad….</a:t>
-            </a:r>
-          </a:p>
-          <a:p>
-            <a:pPr>
-              <a:buFont typeface="Wingdings" panose="05000000000000000000" pitchFamily="2" charset="2"/>
-              <a:buChar char="§"/>
-            </a:pPr>
-            <a:endParaRPr lang="en-US" dirty="0"/>
-          </a:p>
-          <a:p>
-            <a:pPr>
-              <a:buFont typeface="Wingdings" panose="05000000000000000000" pitchFamily="2" charset="2"/>
-              <a:buChar char="§"/>
-            </a:pPr>
-            <a:r>
-              <a:rPr lang="en-US" dirty="0">
-                <a:solidFill>
-                  <a:srgbClr val="FF0000"/>
-                </a:solidFill>
-              </a:rPr>
-              <a:t>POSSIBLE REDO THIS SLIDE</a:t>
-            </a:r>
+            <a:endParaRPr lang="en-US" dirty="0">
+              <a:solidFill>
+                <a:srgbClr val="FF0000"/>
+              </a:solidFill>
+            </a:endParaRPr>
           </a:p>
         </p:txBody>
       </p:sp>
@@ -5203,8 +5189,8 @@
         </p:blipFill>
         <p:spPr>
           <a:xfrm>
-            <a:off x="6739771" y="1994170"/>
-            <a:ext cx="4891541" cy="3651186"/>
+            <a:off x="6702064" y="1737359"/>
+            <a:ext cx="5325738" cy="3975283"/>
           </a:xfrm>
           <a:prstGeom prst="rect">
             <a:avLst/>
@@ -5227,6 +5213,14 @@
 <file path=ppt/slides/slide16.xml><?xml version="1.0" encoding="utf-8"?>
 <p:sld xmlns:a="http://schemas.openxmlformats.org/drawingml/2006/main" xmlns:r="http://schemas.openxmlformats.org/officeDocument/2006/relationships" xmlns:p="http://schemas.openxmlformats.org/presentationml/2006/main">
   <p:cSld>
+    <p:bg>
+      <p:bgPr>
+        <a:solidFill>
+          <a:schemeClr val="bg1"/>
+        </a:solidFill>
+        <a:effectLst/>
+      </p:bgPr>
+    </p:bg>
     <p:spTree>
       <p:nvGrpSpPr>
         <p:cNvPr id="1" name=""/>
@@ -5241,6 +5235,66 @@
           <a:chExt cx="0" cy="0"/>
         </a:xfrm>
       </p:grpSpPr>
+      <p:sp useBgFill="1">
+        <p:nvSpPr>
+          <p:cNvPr id="75" name="Rectangle 74">
+            <a:extLst>
+              <a:ext uri="{FF2B5EF4-FFF2-40B4-BE49-F238E27FC236}">
+                <a16:creationId xmlns:a16="http://schemas.microsoft.com/office/drawing/2014/main" id="{13BCCAE5-A35B-4B66-A4A7-E23C34A403A4}"/>
+              </a:ext>
+              <a:ext uri="{C183D7F6-B498-43B3-948B-1728B52AA6E4}">
+                <adec:decorative xmlns:adec="http://schemas.microsoft.com/office/drawing/2017/decorative" val="1"/>
+              </a:ext>
+            </a:extLst>
+          </p:cNvPr>
+          <p:cNvSpPr>
+            <a:spLocks noGrp="1" noRot="1" noChangeAspect="1" noMove="1" noResize="1" noEditPoints="1" noAdjustHandles="1" noChangeArrowheads="1" noChangeShapeType="1" noTextEdit="1"/>
+          </p:cNvSpPr>
+          <p:nvPr>
+            <p:extLst>
+              <p:ext uri="{386F3935-93C4-4BCD-93E2-E3B085C9AB24}">
+                <p16:designElem xmlns:p16="http://schemas.microsoft.com/office/powerpoint/2015/main" val="1"/>
+              </p:ext>
+            </p:extLst>
+          </p:nvPr>
+        </p:nvSpPr>
+        <p:spPr>
+          <a:xfrm>
+            <a:off x="0" y="0"/>
+            <a:ext cx="12192000" cy="6858000"/>
+          </a:xfrm>
+          <a:prstGeom prst="rect">
+            <a:avLst/>
+          </a:prstGeom>
+          <a:ln>
+            <a:noFill/>
+          </a:ln>
+        </p:spPr>
+        <p:style>
+          <a:lnRef idx="2">
+            <a:schemeClr val="accent1">
+              <a:shade val="50000"/>
+            </a:schemeClr>
+          </a:lnRef>
+          <a:fillRef idx="1">
+            <a:schemeClr val="accent1"/>
+          </a:fillRef>
+          <a:effectRef idx="0">
+            <a:schemeClr val="accent1"/>
+          </a:effectRef>
+          <a:fontRef idx="minor">
+            <a:schemeClr val="lt1"/>
+          </a:fontRef>
+        </p:style>
+        <p:txBody>
+          <a:bodyPr rtlCol="0" anchor="ctr"/>
+          <a:lstStyle/>
+          <a:p>
+            <a:pPr algn="ctr"/>
+            <a:endParaRPr lang="en-US"/>
+          </a:p>
+        </p:txBody>
+      </p:sp>
       <p:sp>
         <p:nvSpPr>
           <p:cNvPr id="2" name="Title 1">
@@ -5257,18 +5311,81 @@
             <p:ph type="title"/>
           </p:nvPr>
         </p:nvSpPr>
-        <p:spPr/>
-        <p:txBody>
-          <a:bodyPr/>
-          <a:lstStyle/>
-          <a:p>
-            <a:r>
-              <a:rPr lang="en-US" dirty="0"/>
-              <a:t>Some septuples have identical profiles</a:t>
-            </a:r>
-          </a:p>
-        </p:txBody>
-      </p:sp>
+        <p:spPr>
+          <a:xfrm>
+            <a:off x="1097280" y="286603"/>
+            <a:ext cx="10058400" cy="1450757"/>
+          </a:xfrm>
+        </p:spPr>
+        <p:txBody>
+          <a:bodyPr>
+            <a:normAutofit/>
+          </a:bodyPr>
+          <a:lstStyle/>
+          <a:p>
+            <a:r>
+              <a:rPr lang="en-US"/>
+              <a:t>Discovery: Septuples can have identical transparency profiles</a:t>
+            </a:r>
+            <a:endParaRPr lang="en-US" dirty="0"/>
+          </a:p>
+        </p:txBody>
+      </p:sp>
+      <p:cxnSp>
+        <p:nvCxnSpPr>
+          <p:cNvPr id="77" name="Straight Connector 76">
+            <a:extLst>
+              <a:ext uri="{FF2B5EF4-FFF2-40B4-BE49-F238E27FC236}">
+                <a16:creationId xmlns:a16="http://schemas.microsoft.com/office/drawing/2014/main" id="{6987BDFB-DE64-4B56-B44F-45FAE19FA94E}"/>
+              </a:ext>
+              <a:ext uri="{C183D7F6-B498-43B3-948B-1728B52AA6E4}">
+                <adec:decorative xmlns:adec="http://schemas.microsoft.com/office/drawing/2017/decorative" val="1"/>
+              </a:ext>
+            </a:extLst>
+          </p:cNvPr>
+          <p:cNvCxnSpPr>
+            <a:cxnSpLocks noGrp="1" noRot="1" noChangeAspect="1" noMove="1" noResize="1" noEditPoints="1" noAdjustHandles="1" noChangeArrowheads="1" noChangeShapeType="1"/>
+          </p:cNvCxnSpPr>
+          <p:nvPr>
+            <p:extLst>
+              <p:ext uri="{386F3935-93C4-4BCD-93E2-E3B085C9AB24}">
+                <p16:designElem xmlns:p16="http://schemas.microsoft.com/office/powerpoint/2015/main" val="1"/>
+              </p:ext>
+            </p:extLst>
+          </p:nvPr>
+        </p:nvCxnSpPr>
+        <p:spPr>
+          <a:xfrm>
+            <a:off x="1193532" y="1895846"/>
+            <a:ext cx="9966960" cy="0"/>
+          </a:xfrm>
+          <a:prstGeom prst="line">
+            <a:avLst/>
+          </a:prstGeom>
+          <a:ln w="12700">
+            <a:solidFill>
+              <a:schemeClr val="tx1">
+                <a:lumMod val="75000"/>
+                <a:lumOff val="25000"/>
+              </a:schemeClr>
+            </a:solidFill>
+          </a:ln>
+        </p:spPr>
+        <p:style>
+          <a:lnRef idx="1">
+            <a:schemeClr val="accent1"/>
+          </a:lnRef>
+          <a:fillRef idx="0">
+            <a:schemeClr val="accent1"/>
+          </a:fillRef>
+          <a:effectRef idx="0">
+            <a:schemeClr val="accent1"/>
+          </a:effectRef>
+          <a:fontRef idx="minor">
+            <a:schemeClr val="tx1"/>
+          </a:fontRef>
+        </p:style>
+      </p:cxnSp>
       <p:sp>
         <p:nvSpPr>
           <p:cNvPr id="3" name="Content Placeholder 2">
@@ -5285,9 +5402,16 @@
             <p:ph idx="1"/>
           </p:nvPr>
         </p:nvSpPr>
-        <p:spPr/>
-        <p:txBody>
-          <a:bodyPr/>
+        <p:spPr>
+          <a:xfrm>
+            <a:off x="1097280" y="2108201"/>
+            <a:ext cx="6437367" cy="3760891"/>
+          </a:xfrm>
+        </p:spPr>
+        <p:txBody>
+          <a:bodyPr>
+            <a:normAutofit/>
+          </a:bodyPr>
           <a:lstStyle/>
           <a:p>
             <a:pPr>
@@ -5295,8 +5419,8 @@
               <a:buChar char="§"/>
             </a:pPr>
             <a:r>
-              <a:rPr lang="en-US" dirty="0"/>
-              <a:t> With some data collection, common profiles emerged</a:t>
+              <a:rPr lang="en-US" sz="2000" dirty="0"/>
+              <a:t> Common profiles emerged among seemingly different septuples</a:t>
             </a:r>
           </a:p>
           <a:p>
@@ -5305,23 +5429,33 @@
               <a:buChar char="§"/>
             </a:pPr>
             <a:r>
-              <a:rPr lang="en-US" dirty="0"/>
+              <a:rPr lang="en-US" sz="2000" dirty="0"/>
               <a:t> Septuples with different N can have a </a:t>
             </a:r>
             <a:r>
-              <a:rPr lang="en-US" b="1" dirty="0"/>
+              <a:rPr lang="en-US" sz="2000" b="1" dirty="0"/>
               <a:t>1-to-1 match </a:t>
             </a:r>
             <a:r>
-              <a:rPr lang="en-US" dirty="0"/>
-              <a:t>with regards</a:t>
+              <a:rPr lang="en-US" sz="2000" dirty="0"/>
+              <a:t>in there </a:t>
             </a:r>
             <a:br>
-              <a:rPr lang="en-US" dirty="0"/>
+              <a:rPr lang="en-US" sz="2000" dirty="0"/>
             </a:br>
             <a:r>
-              <a:rPr lang="en-US" dirty="0"/>
-              <a:t>to key strength and transparency values</a:t>
+              <a:rPr lang="en-US" sz="2000" dirty="0"/>
+              <a:t>transparency profiles</a:t>
+            </a:r>
+          </a:p>
+          <a:p>
+            <a:pPr lvl="1">
+              <a:buFont typeface="Wingdings" panose="05000000000000000000" pitchFamily="2" charset="2"/>
+              <a:buChar char="§"/>
+            </a:pPr>
+            <a:r>
+              <a:rPr lang="en-US" sz="1800" dirty="0"/>
+              <a:t>The same E values cause the same encryption failures….wow!</a:t>
             </a:r>
           </a:p>
           <a:p>
@@ -5330,11 +5464,112 @@
               <a:buChar char="§"/>
             </a:pPr>
             <a:r>
-              <a:rPr lang="en-US" dirty="0"/>
+              <a:rPr lang="en-US" sz="2000" dirty="0"/>
               <a:t> Next slide shows 3 common profiles….</a:t>
             </a:r>
           </a:p>
         </p:txBody>
+      </p:sp>
+      <p:pic>
+        <p:nvPicPr>
+          <p:cNvPr id="2050" name="Picture 2" descr="Head with light bulb icon icon cartoon Royalty Free Vector">
+            <a:extLst>
+              <a:ext uri="{FF2B5EF4-FFF2-40B4-BE49-F238E27FC236}">
+                <a16:creationId xmlns:a16="http://schemas.microsoft.com/office/drawing/2014/main" id="{3C1A79F1-7D1F-45EA-ABBD-6323CA78484B}"/>
+              </a:ext>
+            </a:extLst>
+          </p:cNvPr>
+          <p:cNvPicPr>
+            <a:picLocks noChangeAspect="1" noChangeArrowheads="1"/>
+          </p:cNvPicPr>
+          <p:nvPr/>
+        </p:nvPicPr>
+        <p:blipFill>
+          <a:blip r:embed="rId2">
+            <a:extLst>
+              <a:ext uri="{28A0092B-C50C-407E-A947-70E740481C1C}">
+                <a14:useLocalDpi xmlns:a14="http://schemas.microsoft.com/office/drawing/2010/main" val="0"/>
+              </a:ext>
+            </a:extLst>
+          </a:blip>
+          <a:stretch>
+            <a:fillRect/>
+          </a:stretch>
+        </p:blipFill>
+        <p:spPr bwMode="auto">
+          <a:xfrm>
+            <a:off x="8266913" y="2108200"/>
+            <a:ext cx="2868228" cy="3760891"/>
+          </a:xfrm>
+          <a:prstGeom prst="rect">
+            <a:avLst/>
+          </a:prstGeom>
+          <a:noFill/>
+          <a:extLst>
+            <a:ext uri="{909E8E84-426E-40DD-AFC4-6F175D3DCCD1}">
+              <a14:hiddenFill xmlns:a14="http://schemas.microsoft.com/office/drawing/2010/main">
+                <a:solidFill>
+                  <a:srgbClr val="FFFFFF"/>
+                </a:solidFill>
+              </a14:hiddenFill>
+            </a:ext>
+          </a:extLst>
+        </p:spPr>
+      </p:pic>
+      <p:sp>
+        <p:nvSpPr>
+          <p:cNvPr id="79" name="Rectangle 78">
+            <a:extLst>
+              <a:ext uri="{FF2B5EF4-FFF2-40B4-BE49-F238E27FC236}">
+                <a16:creationId xmlns:a16="http://schemas.microsoft.com/office/drawing/2014/main" id="{CB06839E-D8C3-4A74-BA2B-3B97E7B2CDB5}"/>
+              </a:ext>
+              <a:ext uri="{C183D7F6-B498-43B3-948B-1728B52AA6E4}">
+                <adec:decorative xmlns:adec="http://schemas.microsoft.com/office/drawing/2017/decorative" val="1"/>
+              </a:ext>
+            </a:extLst>
+          </p:cNvPr>
+          <p:cNvSpPr>
+            <a:spLocks noGrp="1" noRot="1" noChangeAspect="1" noMove="1" noResize="1" noEditPoints="1" noAdjustHandles="1" noChangeArrowheads="1" noChangeShapeType="1" noTextEdit="1"/>
+          </p:cNvSpPr>
+          <p:nvPr>
+            <p:extLst>
+              <p:ext uri="{386F3935-93C4-4BCD-93E2-E3B085C9AB24}">
+                <p16:designElem xmlns:p16="http://schemas.microsoft.com/office/powerpoint/2015/main" val="1"/>
+              </p:ext>
+            </p:extLst>
+          </p:nvPr>
+        </p:nvSpPr>
+        <p:spPr>
+          <a:xfrm>
+            <a:off x="0" y="6400800"/>
+            <a:ext cx="12192000" cy="457200"/>
+          </a:xfrm>
+          <a:prstGeom prst="rect">
+            <a:avLst/>
+          </a:prstGeom>
+          <a:solidFill>
+            <a:srgbClr val="262626"/>
+          </a:solidFill>
+          <a:ln>
+            <a:noFill/>
+          </a:ln>
+        </p:spPr>
+        <p:style>
+          <a:lnRef idx="2">
+            <a:schemeClr val="accent1">
+              <a:shade val="50000"/>
+            </a:schemeClr>
+          </a:lnRef>
+          <a:fillRef idx="1">
+            <a:schemeClr val="accent1"/>
+          </a:fillRef>
+          <a:effectRef idx="0">
+            <a:schemeClr val="accent1"/>
+          </a:effectRef>
+          <a:fontRef idx="minor">
+            <a:schemeClr val="lt1"/>
+          </a:fontRef>
+        </p:style>
       </p:sp>
     </p:spTree>
     <p:extLst>
@@ -5698,7 +5933,15 @@
             </a:pPr>
             <a:r>
               <a:rPr lang="en-US" dirty="0"/>
-              <a:t> A mathematical relationship exists that governs the resulting transparency of a septuple</a:t>
+              <a:t> </a:t>
+            </a:r>
+            <a:r>
+              <a:rPr lang="en-US" b="1" u="sng" dirty="0"/>
+              <a:t>A mathematical relationship exists</a:t>
+            </a:r>
+            <a:r>
+              <a:rPr lang="en-US" b="1" dirty="0"/>
+              <a:t> that governs the resulting transparency of a septuple</a:t>
             </a:r>
           </a:p>
           <a:p>
@@ -5718,7 +5961,7 @@
             </a:pPr>
             <a:r>
               <a:rPr lang="en-US" dirty="0"/>
-              <a:t>Possibility of throwing out septuples with totients meeting this condition</a:t>
+              <a:t>Transparency involves both the totient and the choice of E…but the exact relationship is still mysterious</a:t>
             </a:r>
           </a:p>
           <a:p>
@@ -5728,7 +5971,39 @@
             </a:pPr>
             <a:r>
               <a:rPr lang="en-US" dirty="0"/>
-              <a:t> Transparency involves both the totient and the choice of E…but the exact relationship is still mysterious</a:t>
+              <a:t> Some septuples have identical profiles.  Many profiles were found, </a:t>
+            </a:r>
+          </a:p>
+          <a:p>
+            <a:pPr lvl="1">
+              <a:buFont typeface="Wingdings" panose="05000000000000000000" pitchFamily="2" charset="2"/>
+              <a:buChar char="§"/>
+            </a:pPr>
+            <a:r>
+              <a:rPr lang="en-US" dirty="0"/>
+              <a:t>Implication: </a:t>
+            </a:r>
+            <a:r>
+              <a:rPr lang="en-US" b="1" dirty="0"/>
+              <a:t>Every septuple has a “profile</a:t>
+            </a:r>
+            <a:r>
+              <a:rPr lang="en-US" dirty="0"/>
+              <a:t>”, and some septuples have the same profile!</a:t>
+            </a:r>
+          </a:p>
+          <a:p>
+            <a:pPr lvl="1">
+              <a:buFont typeface="Wingdings" panose="05000000000000000000" pitchFamily="2" charset="2"/>
+              <a:buChar char="§"/>
+            </a:pPr>
+            <a:r>
+              <a:rPr lang="en-US" dirty="0"/>
+              <a:t>Septuples with the same profile had </a:t>
+            </a:r>
+            <a:r>
+              <a:rPr lang="en-US" b="1" dirty="0"/>
+              <a:t>a common initial prime</a:t>
             </a:r>
           </a:p>
           <a:p>
@@ -5737,18 +6012,30 @@
               <a:buChar char="§"/>
             </a:pPr>
             <a:r>
-              <a:rPr lang="en-US" dirty="0"/>
-              <a:t> Some septuples have identical profiles.  Many profiles were found, indicating every septuple has a “profile” and this profile is common among other septuples</a:t>
-            </a:r>
-          </a:p>
-          <a:p>
-            <a:pPr>
+              <a:rPr lang="en-US" b="1" dirty="0">
+                <a:solidFill>
+                  <a:srgbClr val="FF0000"/>
+                </a:solidFill>
+              </a:rPr>
+              <a:t> If the link between a septuple and its profile can be discovered, a list of good and bad keys can be generated from any septuple and ensure good keys are chosen.  Or more maliciously, this info could be used to break an RSA scheme</a:t>
+            </a:r>
+          </a:p>
+          <a:p>
+            <a:pPr lvl="1">
               <a:buFont typeface="Wingdings" panose="05000000000000000000" pitchFamily="2" charset="2"/>
               <a:buChar char="§"/>
             </a:pPr>
             <a:r>
               <a:rPr lang="en-US" dirty="0"/>
-              <a:t> If the link between a septuple and its profile can be discovered, a list of good and bad keys can be generated from any septuple and ensure good keys are chosen.</a:t>
+              <a:t>Remember: E is </a:t>
+            </a:r>
+            <a:r>
+              <a:rPr lang="en-US" i="1" dirty="0"/>
+              <a:t>public</a:t>
+            </a:r>
+            <a:r>
+              <a:rPr lang="en-US" dirty="0"/>
+              <a:t> information</a:t>
             </a:r>
           </a:p>
           <a:p>
@@ -5843,8 +6130,15 @@
             <a:pPr lvl="1"/>
             <a:r>
               <a:rPr lang="en-US" sz="2400" dirty="0"/>
-              <a:t>For starters, it is very interesting (in my opinion_</a:t>
-            </a:r>
+              <a:t>Very Interesting! In my opinion </a:t>
+            </a:r>
+            <a:r>
+              <a:rPr lang="en-US" sz="2400" dirty="0">
+                <a:sym typeface="Wingdings" panose="05000000000000000000" pitchFamily="2" charset="2"/>
+              </a:rPr>
+              <a:t></a:t>
+            </a:r>
+            <a:endParaRPr lang="en-US" sz="2400" dirty="0"/>
           </a:p>
           <a:p>
             <a:pPr lvl="1"/>
@@ -6259,13 +6553,13 @@
         </p:nvSpPr>
         <p:spPr>
           <a:xfrm>
-            <a:off x="1187355" y="4374204"/>
-            <a:ext cx="9818390" cy="1029308"/>
+            <a:off x="1207658" y="4737337"/>
+            <a:ext cx="9522798" cy="621997"/>
           </a:xfrm>
         </p:spPr>
         <p:txBody>
           <a:bodyPr vert="horz" lIns="91440" tIns="45720" rIns="91440" bIns="45720" rtlCol="0" anchor="b">
-            <a:normAutofit/>
+            <a:normAutofit fontScale="90000"/>
           </a:bodyPr>
           <a:lstStyle/>
           <a:p>
@@ -6531,7 +6825,7 @@
             </a:pPr>
             <a:r>
               <a:rPr lang="en-US" sz="5400" dirty="0"/>
-              <a:t>Demo!</a:t>
+              <a:t>Code walkthrough and a demo!</a:t>
             </a:r>
           </a:p>
         </p:txBody>
@@ -6612,7 +6906,9 @@
         </p:nvSpPr>
         <p:spPr/>
         <p:txBody>
-          <a:bodyPr/>
+          <a:bodyPr>
+            <a:normAutofit/>
+          </a:bodyPr>
           <a:lstStyle/>
           <a:p>
             <a:pPr marL="457200" indent="-457200">
@@ -6651,7 +6947,7 @@
             </a:pPr>
             <a:r>
               <a:rPr lang="en-US" dirty="0"/>
-              <a:t>Research Tool Development</a:t>
+              <a:t>Implications and future work</a:t>
             </a:r>
           </a:p>
           <a:p>
@@ -6661,7 +6957,7 @@
             </a:pPr>
             <a:r>
               <a:rPr lang="en-US" dirty="0"/>
-              <a:t>Implications and future work</a:t>
+              <a:t>Research Tool Development</a:t>
             </a:r>
           </a:p>
           <a:p>
@@ -6702,6 +6998,14 @@
 <file path=ppt/slides/slide4.xml><?xml version="1.0" encoding="utf-8"?>
 <p:sld xmlns:a="http://schemas.openxmlformats.org/drawingml/2006/main" xmlns:r="http://schemas.openxmlformats.org/officeDocument/2006/relationships" xmlns:p="http://schemas.openxmlformats.org/presentationml/2006/main">
   <p:cSld>
+    <p:bg>
+      <p:bgPr>
+        <a:solidFill>
+          <a:schemeClr val="bg1"/>
+        </a:solidFill>
+        <a:effectLst/>
+      </p:bgPr>
+    </p:bg>
     <p:spTree>
       <p:nvGrpSpPr>
         <p:cNvPr id="1" name=""/>
@@ -6716,6 +7020,66 @@
           <a:chExt cx="0" cy="0"/>
         </a:xfrm>
       </p:grpSpPr>
+      <p:sp useBgFill="1">
+        <p:nvSpPr>
+          <p:cNvPr id="11" name="Rectangle 10">
+            <a:extLst>
+              <a:ext uri="{FF2B5EF4-FFF2-40B4-BE49-F238E27FC236}">
+                <a16:creationId xmlns:a16="http://schemas.microsoft.com/office/drawing/2014/main" id="{13BCCAE5-A35B-4B66-A4A7-E23C34A403A4}"/>
+              </a:ext>
+              <a:ext uri="{C183D7F6-B498-43B3-948B-1728B52AA6E4}">
+                <adec:decorative xmlns:adec="http://schemas.microsoft.com/office/drawing/2017/decorative" val="1"/>
+              </a:ext>
+            </a:extLst>
+          </p:cNvPr>
+          <p:cNvSpPr>
+            <a:spLocks noGrp="1" noRot="1" noChangeAspect="1" noMove="1" noResize="1" noEditPoints="1" noAdjustHandles="1" noChangeArrowheads="1" noChangeShapeType="1" noTextEdit="1"/>
+          </p:cNvSpPr>
+          <p:nvPr>
+            <p:extLst>
+              <p:ext uri="{386F3935-93C4-4BCD-93E2-E3B085C9AB24}">
+                <p16:designElem xmlns:p16="http://schemas.microsoft.com/office/powerpoint/2015/main" val="1"/>
+              </p:ext>
+            </p:extLst>
+          </p:nvPr>
+        </p:nvSpPr>
+        <p:spPr>
+          <a:xfrm>
+            <a:off x="0" y="0"/>
+            <a:ext cx="12192000" cy="6858000"/>
+          </a:xfrm>
+          <a:prstGeom prst="rect">
+            <a:avLst/>
+          </a:prstGeom>
+          <a:ln>
+            <a:noFill/>
+          </a:ln>
+        </p:spPr>
+        <p:style>
+          <a:lnRef idx="2">
+            <a:schemeClr val="accent1">
+              <a:shade val="50000"/>
+            </a:schemeClr>
+          </a:lnRef>
+          <a:fillRef idx="1">
+            <a:schemeClr val="accent1"/>
+          </a:fillRef>
+          <a:effectRef idx="0">
+            <a:schemeClr val="accent1"/>
+          </a:effectRef>
+          <a:fontRef idx="minor">
+            <a:schemeClr val="lt1"/>
+          </a:fontRef>
+        </p:style>
+        <p:txBody>
+          <a:bodyPr rtlCol="0" anchor="ctr"/>
+          <a:lstStyle/>
+          <a:p>
+            <a:pPr algn="ctr"/>
+            <a:endParaRPr lang="en-US"/>
+          </a:p>
+        </p:txBody>
+      </p:sp>
       <p:sp>
         <p:nvSpPr>
           <p:cNvPr id="2" name="Title 1">
@@ -6732,9 +7096,16 @@
             <p:ph type="title"/>
           </p:nvPr>
         </p:nvSpPr>
-        <p:spPr/>
-        <p:txBody>
-          <a:bodyPr/>
+        <p:spPr>
+          <a:xfrm>
+            <a:off x="1097280" y="286603"/>
+            <a:ext cx="10058400" cy="1450757"/>
+          </a:xfrm>
+        </p:spPr>
+        <p:txBody>
+          <a:bodyPr>
+            <a:normAutofit/>
+          </a:bodyPr>
           <a:lstStyle/>
           <a:p>
             <a:r>
@@ -6744,6 +7115,61 @@
           </a:p>
         </p:txBody>
       </p:sp>
+      <p:cxnSp>
+        <p:nvCxnSpPr>
+          <p:cNvPr id="13" name="Straight Connector 12">
+            <a:extLst>
+              <a:ext uri="{FF2B5EF4-FFF2-40B4-BE49-F238E27FC236}">
+                <a16:creationId xmlns:a16="http://schemas.microsoft.com/office/drawing/2014/main" id="{6987BDFB-DE64-4B56-B44F-45FAE19FA94E}"/>
+              </a:ext>
+              <a:ext uri="{C183D7F6-B498-43B3-948B-1728B52AA6E4}">
+                <adec:decorative xmlns:adec="http://schemas.microsoft.com/office/drawing/2017/decorative" val="1"/>
+              </a:ext>
+            </a:extLst>
+          </p:cNvPr>
+          <p:cNvCxnSpPr>
+            <a:cxnSpLocks noGrp="1" noRot="1" noChangeAspect="1" noMove="1" noResize="1" noEditPoints="1" noAdjustHandles="1" noChangeArrowheads="1" noChangeShapeType="1"/>
+          </p:cNvCxnSpPr>
+          <p:nvPr>
+            <p:extLst>
+              <p:ext uri="{386F3935-93C4-4BCD-93E2-E3B085C9AB24}">
+                <p16:designElem xmlns:p16="http://schemas.microsoft.com/office/powerpoint/2015/main" val="1"/>
+              </p:ext>
+            </p:extLst>
+          </p:nvPr>
+        </p:nvCxnSpPr>
+        <p:spPr>
+          <a:xfrm>
+            <a:off x="1193532" y="1895846"/>
+            <a:ext cx="9966960" cy="0"/>
+          </a:xfrm>
+          <a:prstGeom prst="line">
+            <a:avLst/>
+          </a:prstGeom>
+          <a:ln w="12700">
+            <a:solidFill>
+              <a:schemeClr val="tx1">
+                <a:lumMod val="75000"/>
+                <a:lumOff val="25000"/>
+              </a:schemeClr>
+            </a:solidFill>
+          </a:ln>
+        </p:spPr>
+        <p:style>
+          <a:lnRef idx="1">
+            <a:schemeClr val="accent1"/>
+          </a:lnRef>
+          <a:fillRef idx="0">
+            <a:schemeClr val="accent1"/>
+          </a:fillRef>
+          <a:effectRef idx="0">
+            <a:schemeClr val="accent1"/>
+          </a:effectRef>
+          <a:fontRef idx="minor">
+            <a:schemeClr val="tx1"/>
+          </a:fontRef>
+        </p:style>
+      </p:cxnSp>
       <p:sp>
         <p:nvSpPr>
           <p:cNvPr id="3" name="Content Placeholder 2">
@@ -6760,10 +7186,15 @@
             <p:ph idx="1"/>
           </p:nvPr>
         </p:nvSpPr>
-        <p:spPr/>
+        <p:spPr>
+          <a:xfrm>
+            <a:off x="1097280" y="2108201"/>
+            <a:ext cx="6437367" cy="3760891"/>
+          </a:xfrm>
+        </p:spPr>
         <p:txBody>
           <a:bodyPr>
-            <a:normAutofit lnSpcReduction="10000"/>
+            <a:normAutofit/>
           </a:bodyPr>
           <a:lstStyle/>
           <a:p>
@@ -6772,7 +7203,7 @@
               <a:buChar char="•"/>
             </a:pPr>
             <a:r>
-              <a:rPr lang="en-US" sz="2400" dirty="0"/>
+              <a:rPr lang="en-US"/>
               <a:t> RSA – Rivest-Shamir-Adleman</a:t>
             </a:r>
           </a:p>
@@ -6782,7 +7213,7 @@
               <a:buChar char="•"/>
             </a:pPr>
             <a:r>
-              <a:rPr lang="en-US" sz="2000" dirty="0"/>
+              <a:rPr lang="en-US"/>
               <a:t>Developed by the above 3 in 1977 at MIT</a:t>
             </a:r>
           </a:p>
@@ -6792,12 +7223,16 @@
               <a:buChar char="•"/>
             </a:pPr>
             <a:r>
-              <a:rPr lang="en-US" sz="2000" b="1" u="sng" dirty="0"/>
+              <a:rPr lang="en-US" b="1" u="sng"/>
               <a:t>Asymmetric</a:t>
             </a:r>
             <a:r>
-              <a:rPr lang="en-US" sz="2000" dirty="0"/>
-              <a:t> Encryption/Decryption algorithm based in Modular Mathematics</a:t>
+              <a:rPr lang="en-US"/>
+              <a:t> Encryption/Decryption algorithm based in Modular Mathematics to encrypt/decrypt </a:t>
+            </a:r>
+            <a:r>
+              <a:rPr lang="en-US" u="sng"/>
+              <a:t>integers</a:t>
             </a:r>
           </a:p>
           <a:p>
@@ -6806,7 +7241,7 @@
               <a:buChar char="•"/>
             </a:pPr>
             <a:r>
-              <a:rPr lang="en-US" sz="1600" dirty="0"/>
+              <a:rPr lang="en-US"/>
               <a:t>Asymmetric -&gt; Encryption/Decryption Keys are Different</a:t>
             </a:r>
           </a:p>
@@ -6816,7 +7251,7 @@
               <a:buChar char="•"/>
             </a:pPr>
             <a:r>
-              <a:rPr lang="en-US" sz="1600" dirty="0"/>
+              <a:rPr lang="en-US"/>
               <a:t>Symmetric   -&gt; Same key to Encrypt and Decrypt</a:t>
             </a:r>
           </a:p>
@@ -6826,7 +7261,7 @@
               <a:buChar char="•"/>
             </a:pPr>
             <a:r>
-              <a:rPr lang="en-US" sz="2000" dirty="0"/>
+              <a:rPr lang="en-US"/>
               <a:t>In modern security era, used for initial key distribution to utilize a Symmetric System to ensure key distribution is protected</a:t>
             </a:r>
           </a:p>
@@ -6836,7 +7271,7 @@
               <a:buChar char="•"/>
             </a:pPr>
             <a:r>
-              <a:rPr lang="en-US" sz="1600" dirty="0"/>
+              <a:rPr lang="en-US"/>
               <a:t>(E, N) -&gt; Public Key</a:t>
             </a:r>
           </a:p>
@@ -6846,7 +7281,7 @@
               <a:buChar char="•"/>
             </a:pPr>
             <a:r>
-              <a:rPr lang="en-US" sz="1600" dirty="0"/>
+              <a:rPr lang="en-US"/>
               <a:t>(D, N) -&gt; Private Key</a:t>
             </a:r>
           </a:p>
@@ -6856,7 +7291,7 @@
               <a:buChar char="•"/>
             </a:pPr>
             <a:r>
-              <a:rPr lang="en-US" sz="2400" dirty="0"/>
+              <a:rPr lang="en-US"/>
               <a:t> There are 7 primary parameters involved: P, Q, N, T, E, K D</a:t>
             </a:r>
           </a:p>
@@ -6867,6 +7302,91 @@
             <a:endParaRPr lang="en-US" dirty="0"/>
           </a:p>
         </p:txBody>
+      </p:sp>
+      <p:pic>
+        <p:nvPicPr>
+          <p:cNvPr id="6" name="Picture 5">
+            <a:extLst>
+              <a:ext uri="{FF2B5EF4-FFF2-40B4-BE49-F238E27FC236}">
+                <a16:creationId xmlns:a16="http://schemas.microsoft.com/office/drawing/2014/main" id="{BC5B9605-4861-4780-8F50-D7A9E3E01D33}"/>
+              </a:ext>
+            </a:extLst>
+          </p:cNvPr>
+          <p:cNvPicPr>
+            <a:picLocks noChangeAspect="1"/>
+          </p:cNvPicPr>
+          <p:nvPr/>
+        </p:nvPicPr>
+        <p:blipFill>
+          <a:blip r:embed="rId2"/>
+          <a:stretch>
+            <a:fillRect/>
+          </a:stretch>
+        </p:blipFill>
+        <p:spPr>
+          <a:xfrm>
+            <a:off x="7284387" y="619386"/>
+            <a:ext cx="4630688" cy="3299364"/>
+          </a:xfrm>
+          <a:prstGeom prst="rect">
+            <a:avLst/>
+          </a:prstGeom>
+        </p:spPr>
+      </p:pic>
+      <p:sp>
+        <p:nvSpPr>
+          <p:cNvPr id="15" name="Rectangle 14">
+            <a:extLst>
+              <a:ext uri="{FF2B5EF4-FFF2-40B4-BE49-F238E27FC236}">
+                <a16:creationId xmlns:a16="http://schemas.microsoft.com/office/drawing/2014/main" id="{CB06839E-D8C3-4A74-BA2B-3B97E7B2CDB5}"/>
+              </a:ext>
+              <a:ext uri="{C183D7F6-B498-43B3-948B-1728B52AA6E4}">
+                <adec:decorative xmlns:adec="http://schemas.microsoft.com/office/drawing/2017/decorative" val="1"/>
+              </a:ext>
+            </a:extLst>
+          </p:cNvPr>
+          <p:cNvSpPr>
+            <a:spLocks noGrp="1" noRot="1" noChangeAspect="1" noMove="1" noResize="1" noEditPoints="1" noAdjustHandles="1" noChangeArrowheads="1" noChangeShapeType="1" noTextEdit="1"/>
+          </p:cNvSpPr>
+          <p:nvPr>
+            <p:extLst>
+              <p:ext uri="{386F3935-93C4-4BCD-93E2-E3B085C9AB24}">
+                <p16:designElem xmlns:p16="http://schemas.microsoft.com/office/powerpoint/2015/main" val="1"/>
+              </p:ext>
+            </p:extLst>
+          </p:nvPr>
+        </p:nvSpPr>
+        <p:spPr>
+          <a:xfrm>
+            <a:off x="0" y="6400800"/>
+            <a:ext cx="12192000" cy="457200"/>
+          </a:xfrm>
+          <a:prstGeom prst="rect">
+            <a:avLst/>
+          </a:prstGeom>
+          <a:solidFill>
+            <a:srgbClr val="262626"/>
+          </a:solidFill>
+          <a:ln>
+            <a:noFill/>
+          </a:ln>
+        </p:spPr>
+        <p:style>
+          <a:lnRef idx="2">
+            <a:schemeClr val="accent1">
+              <a:shade val="50000"/>
+            </a:schemeClr>
+          </a:lnRef>
+          <a:fillRef idx="1">
+            <a:schemeClr val="accent1"/>
+          </a:fillRef>
+          <a:effectRef idx="0">
+            <a:schemeClr val="accent1"/>
+          </a:effectRef>
+          <a:fontRef idx="minor">
+            <a:schemeClr val="lt1"/>
+          </a:fontRef>
+        </p:style>
       </p:sp>
     </p:spTree>
     <p:extLst>
@@ -7645,7 +8165,7 @@
         </p:blipFill>
         <p:spPr>
           <a:xfrm>
-            <a:off x="931260" y="3769998"/>
+            <a:off x="931260" y="4062229"/>
             <a:ext cx="10532265" cy="2001927"/>
           </a:xfrm>
           <a:prstGeom prst="rect">
@@ -7738,7 +8258,7 @@
         </p:nvSpPr>
         <p:spPr>
           <a:xfrm>
-            <a:off x="2381672" y="3026500"/>
+            <a:off x="2511841" y="3285140"/>
             <a:ext cx="8414425" cy="646331"/>
           </a:xfrm>
           <a:prstGeom prst="rect">
@@ -7773,6 +8293,84 @@
             <a:r>
               <a:rPr lang="en-US" b="1" dirty="0"/>
               <a:t>Bad = Poor encryption, in this example nothing changed at all</a:t>
+            </a:r>
+          </a:p>
+        </p:txBody>
+      </p:sp>
+      <p:sp>
+        <p:nvSpPr>
+          <p:cNvPr id="2" name="TextBox 1">
+            <a:extLst>
+              <a:ext uri="{FF2B5EF4-FFF2-40B4-BE49-F238E27FC236}">
+                <a16:creationId xmlns:a16="http://schemas.microsoft.com/office/drawing/2014/main" id="{9B8E71BF-B89F-451B-BC58-5A2A1ED7DE2D}"/>
+              </a:ext>
+            </a:extLst>
+          </p:cNvPr>
+          <p:cNvSpPr txBox="1"/>
+          <p:nvPr/>
+        </p:nvSpPr>
+        <p:spPr>
+          <a:xfrm>
+            <a:off x="4583833" y="109328"/>
+            <a:ext cx="4270443" cy="369332"/>
+          </a:xfrm>
+          <a:prstGeom prst="rect">
+            <a:avLst/>
+          </a:prstGeom>
+          <a:noFill/>
+        </p:spPr>
+        <p:txBody>
+          <a:bodyPr wrap="square" rtlCol="0">
+            <a:spAutoFit/>
+          </a:bodyPr>
+          <a:lstStyle/>
+          <a:p>
+            <a:r>
+              <a:rPr lang="en-US" dirty="0">
+                <a:solidFill>
+                  <a:srgbClr val="FF0000"/>
+                </a:solidFill>
+              </a:rPr>
+              <a:t>P       Q          N          T          E       K         D</a:t>
+            </a:r>
+          </a:p>
+        </p:txBody>
+      </p:sp>
+      <p:sp>
+        <p:nvSpPr>
+          <p:cNvPr id="10" name="TextBox 9">
+            <a:extLst>
+              <a:ext uri="{FF2B5EF4-FFF2-40B4-BE49-F238E27FC236}">
+                <a16:creationId xmlns:a16="http://schemas.microsoft.com/office/drawing/2014/main" id="{D1FA006C-5B0F-4295-A109-FD23EDA35A7F}"/>
+              </a:ext>
+            </a:extLst>
+          </p:cNvPr>
+          <p:cNvSpPr txBox="1"/>
+          <p:nvPr/>
+        </p:nvSpPr>
+        <p:spPr>
+          <a:xfrm>
+            <a:off x="4453662" y="3008300"/>
+            <a:ext cx="4270443" cy="369332"/>
+          </a:xfrm>
+          <a:prstGeom prst="rect">
+            <a:avLst/>
+          </a:prstGeom>
+          <a:noFill/>
+        </p:spPr>
+        <p:txBody>
+          <a:bodyPr wrap="square" rtlCol="0">
+            <a:spAutoFit/>
+          </a:bodyPr>
+          <a:lstStyle/>
+          <a:p>
+            <a:r>
+              <a:rPr lang="en-US" dirty="0">
+                <a:solidFill>
+                  <a:srgbClr val="FF0000"/>
+                </a:solidFill>
+              </a:rPr>
+              <a:t>   P     Q       N          T        E       K       D</a:t>
             </a:r>
           </a:p>
         </p:txBody>

--- a/RSA_Presentations/RSA_Research_Presentation_AronSchwartz.pptx
+++ b/RSA_Presentations/RSA_Research_Presentation_AronSchwartz.pptx
@@ -26,7 +26,6 @@
     <p:sldId id="275" r:id="rId20"/>
     <p:sldId id="268" r:id="rId21"/>
     <p:sldId id="270" r:id="rId22"/>
-    <p:sldId id="277" r:id="rId23"/>
   </p:sldIdLst>
   <p:sldSz cx="12192000" cy="6858000"/>
   <p:notesSz cx="6858000" cy="9144000"/>
@@ -377,7 +376,7 @@
           <a:p>
             <a:fld id="{9184DA70-C731-4C70-880D-CCD4705E623C}" type="datetime1">
               <a:rPr lang="en-US" smtClean="0"/>
-              <a:t>7/31/2020</a:t>
+              <a:t>8/1/2020</a:t>
             </a:fld>
             <a:endParaRPr lang="en-US" dirty="0"/>
           </a:p>
@@ -565,7 +564,7 @@
           <a:p>
             <a:fld id="{B612A279-0833-481D-8C56-F67FD0AC6C50}" type="datetime1">
               <a:rPr lang="en-US" smtClean="0"/>
-              <a:t>7/31/2020</a:t>
+              <a:t>8/1/2020</a:t>
             </a:fld>
             <a:endParaRPr lang="en-US" dirty="0"/>
           </a:p>
@@ -807,7 +806,7 @@
           <a:p>
             <a:fld id="{6587DA83-5663-4C9C-B9AA-0B40A3DAFF81}" type="datetime1">
               <a:rPr lang="en-US" smtClean="0"/>
-              <a:t>7/31/2020</a:t>
+              <a:t>8/1/2020</a:t>
             </a:fld>
             <a:endParaRPr lang="en-US" dirty="0"/>
           </a:p>
@@ -995,7 +994,7 @@
           <a:p>
             <a:fld id="{4BE1D723-8F53-4F53-90B0-1982A396982E}" type="datetime1">
               <a:rPr lang="en-US" smtClean="0"/>
-              <a:t>7/31/2020</a:t>
+              <a:t>8/1/2020</a:t>
             </a:fld>
             <a:endParaRPr lang="en-US" dirty="0"/>
           </a:p>
@@ -1368,7 +1367,7 @@
           <a:p>
             <a:fld id="{97669AF7-7BEB-44E4-9852-375E34362B5B}" type="datetime1">
               <a:rPr lang="en-US" smtClean="0"/>
-              <a:t>7/31/2020</a:t>
+              <a:t>8/1/2020</a:t>
             </a:fld>
             <a:endParaRPr lang="en-US" dirty="0"/>
           </a:p>
@@ -1623,7 +1622,7 @@
           <a:p>
             <a:fld id="{BAAAC38D-0552-4C82-B593-E6124DFADBE2}" type="datetime1">
               <a:rPr lang="en-US" smtClean="0"/>
-              <a:t>7/31/2020</a:t>
+              <a:t>8/1/2020</a:t>
             </a:fld>
             <a:endParaRPr lang="en-US" dirty="0"/>
           </a:p>
@@ -2020,7 +2019,7 @@
           <a:p>
             <a:fld id="{D9DF0F1C-5577-4ACB-BB62-DF8F3C494C7E}" type="datetime1">
               <a:rPr lang="en-US" smtClean="0"/>
-              <a:t>7/31/2020</a:t>
+              <a:t>8/1/2020</a:t>
             </a:fld>
             <a:endParaRPr lang="en-US" dirty="0"/>
           </a:p>
@@ -2156,7 +2155,7 @@
           <a:p>
             <a:fld id="{1775B394-D9F9-4F0C-B15D-605F45CB9E9F}" type="datetime1">
               <a:rPr lang="en-US" smtClean="0"/>
-              <a:t>7/31/2020</a:t>
+              <a:t>8/1/2020</a:t>
             </a:fld>
             <a:endParaRPr lang="en-US" dirty="0"/>
           </a:p>
@@ -2313,7 +2312,7 @@
           <a:p>
             <a:fld id="{39667345-2558-425A-8533-9BFDBCE15005}" type="datetime1">
               <a:rPr lang="en-US" smtClean="0"/>
-              <a:t>7/31/2020</a:t>
+              <a:t>8/1/2020</a:t>
             </a:fld>
             <a:endParaRPr lang="en-US" dirty="0"/>
           </a:p>
@@ -2642,7 +2641,7 @@
           <a:p>
             <a:fld id="{92BEA474-078D-4E9B-9B14-09A87B19DC46}" type="datetime1">
               <a:rPr lang="en-US" smtClean="0"/>
-              <a:t>7/31/2020</a:t>
+              <a:t>8/1/2020</a:t>
             </a:fld>
             <a:endParaRPr lang="en-US" dirty="0"/>
           </a:p>
@@ -2992,7 +2991,7 @@
           <a:p>
             <a:fld id="{4907D986-8816-4272-A432-0437A28A9828}" type="datetime1">
               <a:rPr lang="en-US" smtClean="0"/>
-              <a:t>7/31/2020</a:t>
+              <a:t>8/1/2020</a:t>
             </a:fld>
             <a:endParaRPr lang="en-US" dirty="0"/>
           </a:p>
@@ -3253,7 +3252,7 @@
           <a:p>
             <a:fld id="{62D6E202-B606-4609-B914-27C9371A1F6D}" type="datetime1">
               <a:rPr lang="en-US" smtClean="0"/>
-              <a:t>7/31/2020</a:t>
+              <a:t>8/1/2020</a:t>
             </a:fld>
             <a:endParaRPr lang="en-US" dirty="0"/>
           </a:p>
@@ -4255,6 +4254,12 @@
               <a:buNone/>
             </a:pPr>
             <a:r>
+              <a:rPr lang="en-US" dirty="0">
+                <a:sym typeface="Wingdings" panose="05000000000000000000" pitchFamily="2" charset="2"/>
+              </a:rPr>
+              <a:t> </a:t>
+            </a:r>
+            <a:r>
               <a:rPr lang="en-US" dirty="0"/>
               <a:t>These questions spawned the first phase of research – Generating and testing thousands of septuples, looking for fixed points, and studying emergent mathematical patterns</a:t>
             </a:r>
@@ -4362,7 +4367,7 @@
                   <a:schemeClr val="tx1"/>
                 </a:solidFill>
               </a:rPr>
-              <a:t>Randomly combine prime numbers</a:t>
+              <a:t>Randomly combine prime numbers (All combinations of P and Q up to some limit)</a:t>
             </a:r>
           </a:p>
           <a:p>
@@ -4810,6 +4815,14 @@
 <file path=ppt/slides/slide13.xml><?xml version="1.0" encoding="utf-8"?>
 <p:sld xmlns:a="http://schemas.openxmlformats.org/drawingml/2006/main" xmlns:r="http://schemas.openxmlformats.org/officeDocument/2006/relationships" xmlns:p="http://schemas.openxmlformats.org/presentationml/2006/main">
   <p:cSld>
+    <p:bg>
+      <p:bgPr>
+        <a:solidFill>
+          <a:schemeClr val="bg1"/>
+        </a:solidFill>
+        <a:effectLst/>
+      </p:bgPr>
+    </p:bg>
     <p:spTree>
       <p:nvGrpSpPr>
         <p:cNvPr id="1" name=""/>
@@ -4824,6 +4837,66 @@
           <a:chExt cx="0" cy="0"/>
         </a:xfrm>
       </p:grpSpPr>
+      <p:sp useBgFill="1">
+        <p:nvSpPr>
+          <p:cNvPr id="10" name="Rectangle 9">
+            <a:extLst>
+              <a:ext uri="{FF2B5EF4-FFF2-40B4-BE49-F238E27FC236}">
+                <a16:creationId xmlns:a16="http://schemas.microsoft.com/office/drawing/2014/main" id="{F64BBAA4-C62B-4146-B49F-FE4CC4655EE0}"/>
+              </a:ext>
+              <a:ext uri="{C183D7F6-B498-43B3-948B-1728B52AA6E4}">
+                <adec:decorative xmlns:adec="http://schemas.microsoft.com/office/drawing/2017/decorative" val="1"/>
+              </a:ext>
+            </a:extLst>
+          </p:cNvPr>
+          <p:cNvSpPr>
+            <a:spLocks noGrp="1" noRot="1" noChangeAspect="1" noMove="1" noResize="1" noEditPoints="1" noAdjustHandles="1" noChangeArrowheads="1" noChangeShapeType="1" noTextEdit="1"/>
+          </p:cNvSpPr>
+          <p:nvPr>
+            <p:extLst>
+              <p:ext uri="{386F3935-93C4-4BCD-93E2-E3B085C9AB24}">
+                <p16:designElem xmlns:p16="http://schemas.microsoft.com/office/powerpoint/2015/main" val="1"/>
+              </p:ext>
+            </p:extLst>
+          </p:nvPr>
+        </p:nvSpPr>
+        <p:spPr>
+          <a:xfrm>
+            <a:off x="0" y="0"/>
+            <a:ext cx="12192001" cy="6858000"/>
+          </a:xfrm>
+          <a:prstGeom prst="rect">
+            <a:avLst/>
+          </a:prstGeom>
+          <a:ln>
+            <a:noFill/>
+          </a:ln>
+        </p:spPr>
+        <p:style>
+          <a:lnRef idx="2">
+            <a:schemeClr val="accent1">
+              <a:shade val="50000"/>
+            </a:schemeClr>
+          </a:lnRef>
+          <a:fillRef idx="1">
+            <a:schemeClr val="accent1"/>
+          </a:fillRef>
+          <a:effectRef idx="0">
+            <a:schemeClr val="accent1"/>
+          </a:effectRef>
+          <a:fontRef idx="minor">
+            <a:schemeClr val="lt1"/>
+          </a:fontRef>
+        </p:style>
+        <p:txBody>
+          <a:bodyPr rtlCol="0" anchor="ctr"/>
+          <a:lstStyle/>
+          <a:p>
+            <a:pPr algn="ctr"/>
+            <a:endParaRPr lang="en-US"/>
+          </a:p>
+        </p:txBody>
+      </p:sp>
       <p:sp>
         <p:nvSpPr>
           <p:cNvPr id="2" name="Title 1">
@@ -4840,14 +4913,123 @@
             <p:ph type="title"/>
           </p:nvPr>
         </p:nvSpPr>
-        <p:spPr/>
-        <p:txBody>
-          <a:bodyPr/>
-          <a:lstStyle/>
-          <a:p>
-            <a:r>
-              <a:rPr lang="en-US" dirty="0"/>
+        <p:spPr>
+          <a:xfrm>
+            <a:off x="878911" y="643468"/>
+            <a:ext cx="3177847" cy="1674180"/>
+          </a:xfrm>
+        </p:spPr>
+        <p:txBody>
+          <a:bodyPr vert="horz" lIns="91440" tIns="45720" rIns="91440" bIns="45720" rtlCol="0" anchor="b">
+            <a:normAutofit/>
+          </a:bodyPr>
+          <a:lstStyle/>
+          <a:p>
+            <a:r>
+              <a:rPr lang="en-US" sz="3700" dirty="0"/>
               <a:t>Power of two proximity relationship</a:t>
+            </a:r>
+          </a:p>
+        </p:txBody>
+      </p:sp>
+      <p:cxnSp>
+        <p:nvCxnSpPr>
+          <p:cNvPr id="12" name="Straight Connector 11">
+            <a:extLst>
+              <a:ext uri="{FF2B5EF4-FFF2-40B4-BE49-F238E27FC236}">
+                <a16:creationId xmlns:a16="http://schemas.microsoft.com/office/drawing/2014/main" id="{EEB57AA8-F021-480C-A9E2-F89913313611}"/>
+              </a:ext>
+              <a:ext uri="{C183D7F6-B498-43B3-948B-1728B52AA6E4}">
+                <adec:decorative xmlns:adec="http://schemas.microsoft.com/office/drawing/2017/decorative" val="1"/>
+              </a:ext>
+            </a:extLst>
+          </p:cNvPr>
+          <p:cNvCxnSpPr>
+            <a:cxnSpLocks noGrp="1" noRot="1" noChangeAspect="1" noMove="1" noResize="1" noEditPoints="1" noAdjustHandles="1" noChangeArrowheads="1" noChangeShapeType="1"/>
+          </p:cNvCxnSpPr>
+          <p:nvPr>
+            <p:extLst>
+              <p:ext uri="{386F3935-93C4-4BCD-93E2-E3B085C9AB24}">
+                <p16:designElem xmlns:p16="http://schemas.microsoft.com/office/powerpoint/2015/main" val="1"/>
+              </p:ext>
+            </p:extLst>
+          </p:nvPr>
+        </p:nvCxnSpPr>
+        <p:spPr>
+          <a:xfrm>
+            <a:off x="962164" y="2478513"/>
+            <a:ext cx="2926080" cy="0"/>
+          </a:xfrm>
+          <a:prstGeom prst="line">
+            <a:avLst/>
+          </a:prstGeom>
+          <a:ln>
+            <a:solidFill>
+              <a:schemeClr val="tx1">
+                <a:lumMod val="75000"/>
+                <a:lumOff val="25000"/>
+              </a:schemeClr>
+            </a:solidFill>
+          </a:ln>
+        </p:spPr>
+        <p:style>
+          <a:lnRef idx="1">
+            <a:schemeClr val="accent1"/>
+          </a:lnRef>
+          <a:fillRef idx="0">
+            <a:schemeClr val="accent1"/>
+          </a:fillRef>
+          <a:effectRef idx="0">
+            <a:schemeClr val="accent1"/>
+          </a:effectRef>
+          <a:fontRef idx="minor">
+            <a:schemeClr val="tx1"/>
+          </a:fontRef>
+        </p:style>
+      </p:cxnSp>
+      <p:sp>
+        <p:nvSpPr>
+          <p:cNvPr id="5" name="TextBox 4">
+            <a:extLst>
+              <a:ext uri="{FF2B5EF4-FFF2-40B4-BE49-F238E27FC236}">
+                <a16:creationId xmlns:a16="http://schemas.microsoft.com/office/drawing/2014/main" id="{CBC6E2DE-043C-43CF-939A-B0FDF246D4D0}"/>
+              </a:ext>
+            </a:extLst>
+          </p:cNvPr>
+          <p:cNvSpPr txBox="1"/>
+          <p:nvPr/>
+        </p:nvSpPr>
+        <p:spPr>
+          <a:xfrm>
+            <a:off x="858064" y="2639380"/>
+            <a:ext cx="3205049" cy="3229714"/>
+          </a:xfrm>
+          <a:prstGeom prst="rect">
+            <a:avLst/>
+          </a:prstGeom>
+        </p:spPr>
+        <p:txBody>
+          <a:bodyPr vert="horz" lIns="0" tIns="45720" rIns="0" bIns="45720" rtlCol="0">
+            <a:normAutofit/>
+          </a:bodyPr>
+          <a:lstStyle/>
+          <a:p>
+            <a:pPr defTabSz="914400">
+              <a:spcAft>
+                <a:spcPts val="600"/>
+              </a:spcAft>
+              <a:buFont typeface="Calibri" panose="020F0502020204030204" pitchFamily="34" charset="0"/>
+            </a:pPr>
+            <a:r>
+              <a:rPr lang="en-US" b="1">
+                <a:solidFill>
+                  <a:schemeClr val="tx1">
+                    <a:lumMod val="75000"/>
+                    <a:lumOff val="25000"/>
+                  </a:schemeClr>
+                </a:solidFill>
+              </a:rPr>
+              <a:t>As the totient trends away from a power of two, the peak transparency decreases.  Interesting…</a:t>
             </a:r>
           </a:p>
         </p:txBody>
@@ -4874,14 +5056,129 @@
         </p:blipFill>
         <p:spPr>
           <a:xfrm>
-            <a:off x="1749461" y="1633577"/>
-            <a:ext cx="8968661" cy="4852493"/>
+            <a:off x="4056757" y="825039"/>
+            <a:ext cx="8562421" cy="4689244"/>
           </a:xfrm>
           <a:prstGeom prst="rect">
             <a:avLst/>
           </a:prstGeom>
         </p:spPr>
       </p:pic>
+      <p:sp>
+        <p:nvSpPr>
+          <p:cNvPr id="14" name="Rectangle 13">
+            <a:extLst>
+              <a:ext uri="{FF2B5EF4-FFF2-40B4-BE49-F238E27FC236}">
+                <a16:creationId xmlns:a16="http://schemas.microsoft.com/office/drawing/2014/main" id="{6BF36B24-6632-4516-9692-731462896C1F}"/>
+              </a:ext>
+              <a:ext uri="{C183D7F6-B498-43B3-948B-1728B52AA6E4}">
+                <adec:decorative xmlns:adec="http://schemas.microsoft.com/office/drawing/2017/decorative" val="1"/>
+              </a:ext>
+            </a:extLst>
+          </p:cNvPr>
+          <p:cNvSpPr>
+            <a:spLocks noGrp="1" noRot="1" noChangeAspect="1" noMove="1" noResize="1" noEditPoints="1" noAdjustHandles="1" noChangeArrowheads="1" noChangeShapeType="1" noTextEdit="1"/>
+          </p:cNvSpPr>
+          <p:nvPr>
+            <p:extLst>
+              <p:ext uri="{386F3935-93C4-4BCD-93E2-E3B085C9AB24}">
+                <p16:designElem xmlns:p16="http://schemas.microsoft.com/office/powerpoint/2015/main" val="1"/>
+              </p:ext>
+            </p:extLst>
+          </p:nvPr>
+        </p:nvSpPr>
+        <p:spPr>
+          <a:xfrm>
+            <a:off x="0" y="6400800"/>
+            <a:ext cx="12192000" cy="457200"/>
+          </a:xfrm>
+          <a:prstGeom prst="rect">
+            <a:avLst/>
+          </a:prstGeom>
+          <a:solidFill>
+            <a:srgbClr val="262626"/>
+          </a:solidFill>
+          <a:ln>
+            <a:noFill/>
+          </a:ln>
+        </p:spPr>
+        <p:style>
+          <a:lnRef idx="2">
+            <a:schemeClr val="accent1">
+              <a:shade val="50000"/>
+            </a:schemeClr>
+          </a:lnRef>
+          <a:fillRef idx="1">
+            <a:schemeClr val="accent1"/>
+          </a:fillRef>
+          <a:effectRef idx="0">
+            <a:schemeClr val="accent1"/>
+          </a:effectRef>
+          <a:fontRef idx="minor">
+            <a:schemeClr val="lt1"/>
+          </a:fontRef>
+        </p:style>
+      </p:sp>
+      <p:sp>
+        <p:nvSpPr>
+          <p:cNvPr id="3" name="TextBox 2">
+            <a:extLst>
+              <a:ext uri="{FF2B5EF4-FFF2-40B4-BE49-F238E27FC236}">
+                <a16:creationId xmlns:a16="http://schemas.microsoft.com/office/drawing/2014/main" id="{E9DA139E-92A0-41B4-8A5E-1010F750A924}"/>
+              </a:ext>
+            </a:extLst>
+          </p:cNvPr>
+          <p:cNvSpPr txBox="1"/>
+          <p:nvPr/>
+        </p:nvSpPr>
+        <p:spPr>
+          <a:xfrm>
+            <a:off x="4520065" y="1948316"/>
+            <a:ext cx="7230358" cy="369332"/>
+          </a:xfrm>
+          <a:prstGeom prst="rect">
+            <a:avLst/>
+          </a:prstGeom>
+          <a:noFill/>
+        </p:spPr>
+        <p:txBody>
+          <a:bodyPr wrap="square" rtlCol="0">
+            <a:spAutoFit/>
+          </a:bodyPr>
+          <a:lstStyle/>
+          <a:p>
+            <a:pPr>
+              <a:spcAft>
+                <a:spcPts val="600"/>
+              </a:spcAft>
+            </a:pPr>
+            <a:r>
+              <a:rPr lang="en-US" dirty="0">
+                <a:solidFill>
+                  <a:srgbClr val="FCBB04"/>
+                </a:solidFill>
+              </a:rPr>
+              <a:t>Orange</a:t>
+            </a:r>
+            <a:r>
+              <a:rPr lang="en-US" dirty="0"/>
+              <a:t> = Transparency %           </a:t>
+            </a:r>
+            <a:r>
+              <a:rPr lang="en-US" dirty="0">
+                <a:solidFill>
+                  <a:srgbClr val="0070C0"/>
+                </a:solidFill>
+              </a:rPr>
+              <a:t>Blue </a:t>
+            </a:r>
+            <a:r>
+              <a:rPr lang="en-US" dirty="0"/>
+              <a:t>= Totient “Power of two” proximity</a:t>
+            </a:r>
+          </a:p>
+        </p:txBody>
+      </p:sp>
     </p:spTree>
     <p:extLst>
       <p:ext uri="{BB962C8B-B14F-4D97-AF65-F5344CB8AC3E}">
@@ -5015,7 +5312,11 @@
             </a:pPr>
             <a:r>
               <a:rPr lang="en-US" dirty="0"/>
-              <a:t>Vary E between all primes from 2 to 65537and observer results…do the “bad” septuples remain bad? Do the “good” septuples remain good?</a:t>
+              <a:t>Vary E between all primes from 2 to 65537and observer results…</a:t>
+            </a:r>
+            <a:r>
+              <a:rPr lang="en-US" b="1" dirty="0"/>
+              <a:t>do the “bad” septuples remain bad? Do the “good” septuples remain good?</a:t>
             </a:r>
           </a:p>
         </p:txBody>
@@ -5066,6 +5367,14 @@
 <file path=ppt/slides/slide15.xml><?xml version="1.0" encoding="utf-8"?>
 <p:sld xmlns:a="http://schemas.openxmlformats.org/drawingml/2006/main" xmlns:r="http://schemas.openxmlformats.org/officeDocument/2006/relationships" xmlns:p="http://schemas.openxmlformats.org/presentationml/2006/main">
   <p:cSld>
+    <p:bg>
+      <p:bgPr>
+        <a:solidFill>
+          <a:schemeClr val="bg1"/>
+        </a:solidFill>
+        <a:effectLst/>
+      </p:bgPr>
+    </p:bg>
     <p:spTree>
       <p:nvGrpSpPr>
         <p:cNvPr id="1" name=""/>
@@ -5080,6 +5389,66 @@
           <a:chExt cx="0" cy="0"/>
         </a:xfrm>
       </p:grpSpPr>
+      <p:sp useBgFill="1">
+        <p:nvSpPr>
+          <p:cNvPr id="10" name="Rectangle 9">
+            <a:extLst>
+              <a:ext uri="{FF2B5EF4-FFF2-40B4-BE49-F238E27FC236}">
+                <a16:creationId xmlns:a16="http://schemas.microsoft.com/office/drawing/2014/main" id="{F4FAA6B4-BAFB-4474-9B14-DC83A9096513}"/>
+              </a:ext>
+              <a:ext uri="{C183D7F6-B498-43B3-948B-1728B52AA6E4}">
+                <adec:decorative xmlns:adec="http://schemas.microsoft.com/office/drawing/2017/decorative" val="1"/>
+              </a:ext>
+            </a:extLst>
+          </p:cNvPr>
+          <p:cNvSpPr>
+            <a:spLocks noGrp="1" noRot="1" noChangeAspect="1" noMove="1" noResize="1" noEditPoints="1" noAdjustHandles="1" noChangeArrowheads="1" noChangeShapeType="1" noTextEdit="1"/>
+          </p:cNvSpPr>
+          <p:nvPr>
+            <p:extLst>
+              <p:ext uri="{386F3935-93C4-4BCD-93E2-E3B085C9AB24}">
+                <p16:designElem xmlns:p16="http://schemas.microsoft.com/office/powerpoint/2015/main" val="1"/>
+              </p:ext>
+            </p:extLst>
+          </p:nvPr>
+        </p:nvSpPr>
+        <p:spPr>
+          <a:xfrm>
+            <a:off x="0" y="0"/>
+            <a:ext cx="12192000" cy="6858000"/>
+          </a:xfrm>
+          <a:prstGeom prst="rect">
+            <a:avLst/>
+          </a:prstGeom>
+          <a:ln>
+            <a:noFill/>
+          </a:ln>
+        </p:spPr>
+        <p:style>
+          <a:lnRef idx="2">
+            <a:schemeClr val="accent1">
+              <a:shade val="50000"/>
+            </a:schemeClr>
+          </a:lnRef>
+          <a:fillRef idx="1">
+            <a:schemeClr val="accent1"/>
+          </a:fillRef>
+          <a:effectRef idx="0">
+            <a:schemeClr val="accent1"/>
+          </a:effectRef>
+          <a:fontRef idx="minor">
+            <a:schemeClr val="lt1"/>
+          </a:fontRef>
+        </p:style>
+        <p:txBody>
+          <a:bodyPr rtlCol="0" anchor="ctr"/>
+          <a:lstStyle/>
+          <a:p>
+            <a:pPr algn="ctr"/>
+            <a:endParaRPr lang="en-US"/>
+          </a:p>
+        </p:txBody>
+      </p:sp>
       <p:sp>
         <p:nvSpPr>
           <p:cNvPr id="2" name="Title 1">
@@ -5096,9 +5465,16 @@
             <p:ph type="title"/>
           </p:nvPr>
         </p:nvSpPr>
-        <p:spPr/>
-        <p:txBody>
-          <a:bodyPr/>
+        <p:spPr>
+          <a:xfrm>
+            <a:off x="1097280" y="286603"/>
+            <a:ext cx="10058400" cy="1450757"/>
+          </a:xfrm>
+        </p:spPr>
+        <p:txBody>
+          <a:bodyPr>
+            <a:normAutofit/>
+          </a:bodyPr>
           <a:lstStyle/>
           <a:p>
             <a:r>
@@ -5108,6 +5484,61 @@
           </a:p>
         </p:txBody>
       </p:sp>
+      <p:cxnSp>
+        <p:nvCxnSpPr>
+          <p:cNvPr id="12" name="Straight Connector 11">
+            <a:extLst>
+              <a:ext uri="{FF2B5EF4-FFF2-40B4-BE49-F238E27FC236}">
+                <a16:creationId xmlns:a16="http://schemas.microsoft.com/office/drawing/2014/main" id="{4364CDC3-ADB0-4691-9286-5925F160C2D5}"/>
+              </a:ext>
+              <a:ext uri="{C183D7F6-B498-43B3-948B-1728B52AA6E4}">
+                <adec:decorative xmlns:adec="http://schemas.microsoft.com/office/drawing/2017/decorative" val="1"/>
+              </a:ext>
+            </a:extLst>
+          </p:cNvPr>
+          <p:cNvCxnSpPr>
+            <a:cxnSpLocks noGrp="1" noRot="1" noChangeAspect="1" noMove="1" noResize="1" noEditPoints="1" noAdjustHandles="1" noChangeArrowheads="1" noChangeShapeType="1"/>
+          </p:cNvCxnSpPr>
+          <p:nvPr>
+            <p:extLst>
+              <p:ext uri="{386F3935-93C4-4BCD-93E2-E3B085C9AB24}">
+                <p16:designElem xmlns:p16="http://schemas.microsoft.com/office/powerpoint/2015/main" val="1"/>
+              </p:ext>
+            </p:extLst>
+          </p:nvPr>
+        </p:nvCxnSpPr>
+        <p:spPr>
+          <a:xfrm>
+            <a:off x="1193532" y="1897380"/>
+            <a:ext cx="9966960" cy="0"/>
+          </a:xfrm>
+          <a:prstGeom prst="line">
+            <a:avLst/>
+          </a:prstGeom>
+          <a:ln w="12700">
+            <a:solidFill>
+              <a:schemeClr val="tx1">
+                <a:lumMod val="75000"/>
+                <a:lumOff val="25000"/>
+              </a:schemeClr>
+            </a:solidFill>
+          </a:ln>
+        </p:spPr>
+        <p:style>
+          <a:lnRef idx="1">
+            <a:schemeClr val="accent1"/>
+          </a:lnRef>
+          <a:fillRef idx="0">
+            <a:schemeClr val="accent1"/>
+          </a:fillRef>
+          <a:effectRef idx="0">
+            <a:schemeClr val="accent1"/>
+          </a:effectRef>
+          <a:fontRef idx="minor">
+            <a:schemeClr val="tx1"/>
+          </a:fontRef>
+        </p:style>
+      </p:cxnSp>
       <p:sp>
         <p:nvSpPr>
           <p:cNvPr id="3" name="Content Placeholder 2">
@@ -5124,9 +5555,16 @@
             <p:ph idx="1"/>
           </p:nvPr>
         </p:nvSpPr>
-        <p:spPr/>
-        <p:txBody>
-          <a:bodyPr/>
+        <p:spPr>
+          <a:xfrm>
+            <a:off x="807396" y="2108201"/>
+            <a:ext cx="3846901" cy="3760891"/>
+          </a:xfrm>
+        </p:spPr>
+        <p:txBody>
+          <a:bodyPr>
+            <a:normAutofit/>
+          </a:bodyPr>
           <a:lstStyle/>
           <a:p>
             <a:pPr>
@@ -5135,14 +5573,11 @@
             </a:pPr>
             <a:r>
               <a:rPr lang="en-US" dirty="0"/>
-              <a:t> Answer: Yes, the Choice of E matters for resulting </a:t>
-            </a:r>
-            <a:br>
-              <a:rPr lang="en-US" dirty="0"/>
-            </a:br>
-            <a:r>
-              <a:rPr lang="en-US" dirty="0"/>
-              <a:t>                transparency.  </a:t>
+              <a:t> Answer: </a:t>
+            </a:r>
+            <a:r>
+              <a:rPr lang="en-US" b="1" dirty="0"/>
+              <a:t>Yes, the Choice of E matters for resulting transparency.  </a:t>
             </a:r>
           </a:p>
           <a:p>
@@ -5159,11 +5594,7 @@
             <a:pPr marL="0" indent="0">
               <a:buNone/>
             </a:pPr>
-            <a:endParaRPr lang="en-US" dirty="0">
-              <a:solidFill>
-                <a:srgbClr val="FF0000"/>
-              </a:solidFill>
-            </a:endParaRPr>
+            <a:endParaRPr lang="en-US" dirty="0"/>
           </a:p>
         </p:txBody>
       </p:sp>
@@ -5189,14 +5620,134 @@
         </p:blipFill>
         <p:spPr>
           <a:xfrm>
-            <a:off x="6702064" y="1737359"/>
-            <a:ext cx="5325738" cy="3975283"/>
+            <a:off x="4654297" y="2340798"/>
+            <a:ext cx="3659566" cy="2731604"/>
           </a:xfrm>
           <a:prstGeom prst="rect">
             <a:avLst/>
           </a:prstGeom>
         </p:spPr>
       </p:pic>
+      <p:pic>
+        <p:nvPicPr>
+          <p:cNvPr id="5" name="Picture 4">
+            <a:extLst>
+              <a:ext uri="{FF2B5EF4-FFF2-40B4-BE49-F238E27FC236}">
+                <a16:creationId xmlns:a16="http://schemas.microsoft.com/office/drawing/2014/main" id="{41EE504D-F619-4CF4-B42F-8397D2366833}"/>
+              </a:ext>
+            </a:extLst>
+          </p:cNvPr>
+          <p:cNvPicPr>
+            <a:picLocks noChangeAspect="1"/>
+          </p:cNvPicPr>
+          <p:nvPr/>
+        </p:nvPicPr>
+        <p:blipFill>
+          <a:blip r:embed="rId3"/>
+          <a:stretch>
+            <a:fillRect/>
+          </a:stretch>
+        </p:blipFill>
+        <p:spPr>
+          <a:xfrm>
+            <a:off x="8469083" y="2327490"/>
+            <a:ext cx="3607674" cy="2758221"/>
+          </a:xfrm>
+          <a:prstGeom prst="rect">
+            <a:avLst/>
+          </a:prstGeom>
+        </p:spPr>
+      </p:pic>
+      <p:sp>
+        <p:nvSpPr>
+          <p:cNvPr id="14" name="Rectangle 13">
+            <a:extLst>
+              <a:ext uri="{FF2B5EF4-FFF2-40B4-BE49-F238E27FC236}">
+                <a16:creationId xmlns:a16="http://schemas.microsoft.com/office/drawing/2014/main" id="{DB148495-5F82-48E2-A76C-C8E1C8949940}"/>
+              </a:ext>
+              <a:ext uri="{C183D7F6-B498-43B3-948B-1728B52AA6E4}">
+                <adec:decorative xmlns:adec="http://schemas.microsoft.com/office/drawing/2017/decorative" val="1"/>
+              </a:ext>
+            </a:extLst>
+          </p:cNvPr>
+          <p:cNvSpPr>
+            <a:spLocks noGrp="1" noRot="1" noChangeAspect="1" noMove="1" noResize="1" noEditPoints="1" noAdjustHandles="1" noChangeArrowheads="1" noChangeShapeType="1" noTextEdit="1"/>
+          </p:cNvSpPr>
+          <p:nvPr>
+            <p:extLst>
+              <p:ext uri="{386F3935-93C4-4BCD-93E2-E3B085C9AB24}">
+                <p16:designElem xmlns:p16="http://schemas.microsoft.com/office/powerpoint/2015/main" val="1"/>
+              </p:ext>
+            </p:extLst>
+          </p:nvPr>
+        </p:nvSpPr>
+        <p:spPr>
+          <a:xfrm>
+            <a:off x="0" y="6400800"/>
+            <a:ext cx="12188825" cy="457200"/>
+          </a:xfrm>
+          <a:prstGeom prst="rect">
+            <a:avLst/>
+          </a:prstGeom>
+          <a:solidFill>
+            <a:srgbClr val="262626"/>
+          </a:solidFill>
+          <a:ln>
+            <a:noFill/>
+          </a:ln>
+        </p:spPr>
+        <p:style>
+          <a:lnRef idx="2">
+            <a:schemeClr val="accent1">
+              <a:shade val="50000"/>
+            </a:schemeClr>
+          </a:lnRef>
+          <a:fillRef idx="1">
+            <a:schemeClr val="accent1"/>
+          </a:fillRef>
+          <a:effectRef idx="0">
+            <a:schemeClr val="accent1"/>
+          </a:effectRef>
+          <a:fontRef idx="minor">
+            <a:schemeClr val="lt1"/>
+          </a:fontRef>
+        </p:style>
+      </p:sp>
+      <p:sp>
+        <p:nvSpPr>
+          <p:cNvPr id="6" name="TextBox 5">
+            <a:extLst>
+              <a:ext uri="{FF2B5EF4-FFF2-40B4-BE49-F238E27FC236}">
+                <a16:creationId xmlns:a16="http://schemas.microsoft.com/office/drawing/2014/main" id="{59538D0F-E871-4975-AEBC-14A7CCCE6236}"/>
+              </a:ext>
+            </a:extLst>
+          </p:cNvPr>
+          <p:cNvSpPr txBox="1"/>
+          <p:nvPr/>
+        </p:nvSpPr>
+        <p:spPr>
+          <a:xfrm>
+            <a:off x="8634953" y="1998482"/>
+            <a:ext cx="3110845" cy="369332"/>
+          </a:xfrm>
+          <a:prstGeom prst="rect">
+            <a:avLst/>
+          </a:prstGeom>
+          <a:noFill/>
+        </p:spPr>
+        <p:txBody>
+          <a:bodyPr wrap="square" rtlCol="0">
+            <a:spAutoFit/>
+          </a:bodyPr>
+          <a:lstStyle/>
+          <a:p>
+            <a:r>
+              <a:rPr lang="en-US" dirty="0"/>
+              <a:t>                                           E</a:t>
+            </a:r>
+          </a:p>
+        </p:txBody>
+      </p:sp>
     </p:spTree>
     <p:extLst>
       <p:ext uri="{BB962C8B-B14F-4D97-AF65-F5344CB8AC3E}">
@@ -5438,7 +5989,7 @@
             </a:r>
             <a:r>
               <a:rPr lang="en-US" sz="2000" dirty="0"/>
-              <a:t>in there </a:t>
+              <a:t>in their</a:t>
             </a:r>
             <a:br>
               <a:rPr lang="en-US" sz="2000" dirty="0"/>
@@ -5465,7 +6016,7 @@
             </a:pPr>
             <a:r>
               <a:rPr lang="en-US" sz="2000" dirty="0"/>
-              <a:t> Next slide shows 3 common profiles….</a:t>
+              <a:t> Next slide shows 3 common profiles to further illustrate this…</a:t>
             </a:r>
           </a:p>
         </p:txBody>
@@ -5774,8 +6325,34 @@
             </a:pPr>
             <a:r>
               <a:rPr lang="en-US" dirty="0"/>
-              <a:t> Common patterns grouped by common totients.</a:t>
-            </a:r>
+              <a:t> Common patterns grouped by common totients complexity</a:t>
+            </a:r>
+          </a:p>
+          <a:p>
+            <a:pPr>
+              <a:buFont typeface="Wingdings" panose="05000000000000000000" pitchFamily="2" charset="2"/>
+              <a:buChar char="§"/>
+            </a:pPr>
+            <a:r>
+              <a:rPr lang="en-US" dirty="0"/>
+              <a:t>2 hot-bit totient had 5 patterns for example  </a:t>
+            </a:r>
+          </a:p>
+          <a:p>
+            <a:pPr>
+              <a:buFont typeface="Wingdings" panose="05000000000000000000" pitchFamily="2" charset="2"/>
+              <a:buChar char="§"/>
+            </a:pPr>
+            <a:r>
+              <a:rPr lang="en-US" dirty="0"/>
+              <a:t>No common profiles were found where the totient complexity was not identical…</a:t>
+            </a:r>
+          </a:p>
+          <a:p>
+            <a:pPr marL="0" indent="0">
+              <a:buNone/>
+            </a:pPr>
+            <a:endParaRPr lang="en-US" dirty="0"/>
           </a:p>
           <a:p>
             <a:pPr>
@@ -5808,7 +6385,7 @@
         </p:blipFill>
         <p:spPr>
           <a:xfrm>
-            <a:off x="606560" y="2725916"/>
+            <a:off x="116366" y="3546048"/>
             <a:ext cx="5740414" cy="2457955"/>
           </a:xfrm>
           <a:prstGeom prst="rect">
@@ -5838,7 +6415,7 @@
         </p:blipFill>
         <p:spPr>
           <a:xfrm>
-            <a:off x="6422383" y="2725916"/>
+            <a:off x="6335222" y="3546048"/>
             <a:ext cx="6448425" cy="2295525"/>
           </a:xfrm>
           <a:prstGeom prst="rect">
@@ -5846,6 +6423,48 @@
           </a:prstGeom>
         </p:spPr>
       </p:pic>
+      <p:cxnSp>
+        <p:nvCxnSpPr>
+          <p:cNvPr id="7" name="Straight Arrow Connector 6">
+            <a:extLst>
+              <a:ext uri="{FF2B5EF4-FFF2-40B4-BE49-F238E27FC236}">
+                <a16:creationId xmlns:a16="http://schemas.microsoft.com/office/drawing/2014/main" id="{F1BCD0E6-40A7-4175-BBA4-D2B49CB44FBA}"/>
+              </a:ext>
+            </a:extLst>
+          </p:cNvPr>
+          <p:cNvCxnSpPr/>
+          <p:nvPr/>
+        </p:nvCxnSpPr>
+        <p:spPr>
+          <a:xfrm>
+            <a:off x="5036648" y="4572000"/>
+            <a:ext cx="1187778" cy="0"/>
+          </a:xfrm>
+          <a:prstGeom prst="straightConnector1">
+            <a:avLst/>
+          </a:prstGeom>
+          <a:ln w="76200">
+            <a:solidFill>
+              <a:srgbClr val="FF0000"/>
+            </a:solidFill>
+            <a:tailEnd type="triangle"/>
+          </a:ln>
+        </p:spPr>
+        <p:style>
+          <a:lnRef idx="1">
+            <a:schemeClr val="accent1"/>
+          </a:lnRef>
+          <a:fillRef idx="0">
+            <a:schemeClr val="accent1"/>
+          </a:fillRef>
+          <a:effectRef idx="0">
+            <a:schemeClr val="accent1"/>
+          </a:effectRef>
+          <a:fontRef idx="minor">
+            <a:schemeClr val="tx1"/>
+          </a:fontRef>
+        </p:style>
+      </p:cxnSp>
     </p:spTree>
     <p:extLst>
       <p:ext uri="{BB962C8B-B14F-4D97-AF65-F5344CB8AC3E}">
@@ -5980,16 +6599,8 @@
               <a:buChar char="§"/>
             </a:pPr>
             <a:r>
-              <a:rPr lang="en-US" dirty="0"/>
-              <a:t>Implication: </a:t>
-            </a:r>
-            <a:r>
               <a:rPr lang="en-US" b="1" dirty="0"/>
-              <a:t>Every septuple has a “profile</a:t>
-            </a:r>
-            <a:r>
-              <a:rPr lang="en-US" dirty="0"/>
-              <a:t>”, and some septuples have the same profile!</a:t>
+              <a:t>Implication: Every septuple has a “profile”, and some septuples have the same profile!</a:t>
             </a:r>
           </a:p>
           <a:p>
@@ -6573,7 +7184,7 @@
                   </a:schemeClr>
                 </a:solidFill>
               </a:rPr>
-              <a:t>Questions?</a:t>
+              <a:t>Questions? Demo Time!</a:t>
             </a:r>
           </a:p>
         </p:txBody>
@@ -6740,100 +7351,6 @@
     <p:extLst>
       <p:ext uri="{BB962C8B-B14F-4D97-AF65-F5344CB8AC3E}">
         <p14:creationId xmlns:p14="http://schemas.microsoft.com/office/powerpoint/2010/main" val="2686418945"/>
-      </p:ext>
-    </p:extLst>
-  </p:cSld>
-  <p:clrMapOvr>
-    <a:masterClrMapping/>
-  </p:clrMapOvr>
-</p:sld>
-</file>
-
-<file path=ppt/slides/slide22.xml><?xml version="1.0" encoding="utf-8"?>
-<p:sld xmlns:a="http://schemas.openxmlformats.org/drawingml/2006/main" xmlns:r="http://schemas.openxmlformats.org/officeDocument/2006/relationships" xmlns:p="http://schemas.openxmlformats.org/presentationml/2006/main">
-  <p:cSld>
-    <p:spTree>
-      <p:nvGrpSpPr>
-        <p:cNvPr id="1" name=""/>
-        <p:cNvGrpSpPr/>
-        <p:nvPr/>
-      </p:nvGrpSpPr>
-      <p:grpSpPr>
-        <a:xfrm>
-          <a:off x="0" y="0"/>
-          <a:ext cx="0" cy="0"/>
-          <a:chOff x="0" y="0"/>
-          <a:chExt cx="0" cy="0"/>
-        </a:xfrm>
-      </p:grpSpPr>
-      <p:sp>
-        <p:nvSpPr>
-          <p:cNvPr id="2" name="Title 1">
-            <a:extLst>
-              <a:ext uri="{FF2B5EF4-FFF2-40B4-BE49-F238E27FC236}">
-                <a16:creationId xmlns:a16="http://schemas.microsoft.com/office/drawing/2014/main" id="{5C3F2A91-3589-4E6D-8A69-FE985E3C05E5}"/>
-              </a:ext>
-            </a:extLst>
-          </p:cNvPr>
-          <p:cNvSpPr>
-            <a:spLocks noGrp="1"/>
-          </p:cNvSpPr>
-          <p:nvPr>
-            <p:ph type="title"/>
-          </p:nvPr>
-        </p:nvSpPr>
-        <p:spPr/>
-        <p:txBody>
-          <a:bodyPr/>
-          <a:lstStyle/>
-          <a:p>
-            <a:endParaRPr lang="en-US"/>
-          </a:p>
-        </p:txBody>
-      </p:sp>
-      <p:sp>
-        <p:nvSpPr>
-          <p:cNvPr id="3" name="Content Placeholder 2">
-            <a:extLst>
-              <a:ext uri="{FF2B5EF4-FFF2-40B4-BE49-F238E27FC236}">
-                <a16:creationId xmlns:a16="http://schemas.microsoft.com/office/drawing/2014/main" id="{A4447426-06DA-4217-B54D-EE04E6CC18A1}"/>
-              </a:ext>
-            </a:extLst>
-          </p:cNvPr>
-          <p:cNvSpPr>
-            <a:spLocks noGrp="1"/>
-          </p:cNvSpPr>
-          <p:nvPr>
-            <p:ph idx="1"/>
-          </p:nvPr>
-        </p:nvSpPr>
-        <p:spPr/>
-        <p:txBody>
-          <a:bodyPr/>
-          <a:lstStyle/>
-          <a:p>
-            <a:pPr algn="ctr"/>
-            <a:endParaRPr lang="en-US" dirty="0"/>
-          </a:p>
-          <a:p>
-            <a:pPr algn="ctr"/>
-            <a:endParaRPr lang="en-US" dirty="0"/>
-          </a:p>
-          <a:p>
-            <a:pPr marL="0" indent="0" algn="ctr">
-              <a:buNone/>
-            </a:pPr>
-            <a:r>
-              <a:rPr lang="en-US" sz="5400" dirty="0"/>
-              <a:t>Code walkthrough and a demo!</a:t>
-            </a:r>
-          </a:p>
-        </p:txBody>
-      </p:sp>
-    </p:spTree>
-    <p:extLst>
-      <p:ext uri="{BB962C8B-B14F-4D97-AF65-F5344CB8AC3E}">
-        <p14:creationId xmlns:p14="http://schemas.microsoft.com/office/powerpoint/2010/main" val="1287931627"/>
       </p:ext>
     </p:extLst>
   </p:cSld>
@@ -6977,7 +7494,7 @@
             </a:pPr>
             <a:r>
               <a:rPr lang="en-US" dirty="0"/>
-              <a:t>Demonstration and brief code walkthrough</a:t>
+              <a:t>Demonstration and code walkthrough if time</a:t>
             </a:r>
           </a:p>
         </p:txBody>
@@ -7482,7 +7999,7 @@
             <a:pPr lvl="1"/>
             <a:r>
               <a:rPr lang="en-US" sz="2000" dirty="0"/>
-              <a:t>P, Q -&gt; Two Initial prime numbers chosen at random, typically extremely large (hard to factor, 1024 or 2048 bits)</a:t>
+              <a:t>P, Q -&gt; Two Initial prime numbers chosen at random, typically extremely large (1024 or 2048 bits for a practical RSA scheme)</a:t>
             </a:r>
           </a:p>
           <a:p>
@@ -7496,14 +8013,22 @@
             <a:pPr lvl="1"/>
             <a:r>
               <a:rPr lang="en-US" sz="2000" dirty="0"/>
-              <a:t>T     -&gt; The Euler Totient function -&gt; T = (P-1)*(Q-1) ***************</a:t>
+              <a:t>T     -&gt; The Euler Totient function -&gt; T = (P-1)*(Q-1) </a:t>
+            </a:r>
+            <a:r>
+              <a:rPr lang="en-US" sz="2000" dirty="0">
+                <a:solidFill>
+                  <a:srgbClr val="FF0000"/>
+                </a:solidFill>
+              </a:rPr>
+              <a:t>***************</a:t>
             </a:r>
           </a:p>
           <a:p>
             <a:pPr lvl="1"/>
             <a:r>
               <a:rPr lang="en-US" sz="2000" dirty="0"/>
-              <a:t>E     - &gt; The Encryption Exponent, Public Information</a:t>
+              <a:t>E     - &gt; The Encryption Exponent, Public Information.  Must be coprime with totient</a:t>
             </a:r>
           </a:p>
           <a:p>
@@ -7521,7 +8046,10 @@
             </a:r>
           </a:p>
           <a:p>
-            <a:endParaRPr lang="en-US" dirty="0"/>
+            <a:r>
+              <a:rPr lang="en-US" dirty="0"/>
+              <a:t>. </a:t>
+            </a:r>
           </a:p>
         </p:txBody>
       </p:sp>
@@ -8165,8 +8693,8 @@
         </p:blipFill>
         <p:spPr>
           <a:xfrm>
-            <a:off x="931260" y="4062229"/>
-            <a:ext cx="10532265" cy="2001927"/>
+            <a:off x="692414" y="4062229"/>
+            <a:ext cx="10771112" cy="2001927"/>
           </a:xfrm>
           <a:prstGeom prst="rect">
             <a:avLst/>
@@ -8196,7 +8724,7 @@
         <p:spPr>
           <a:xfrm>
             <a:off x="692413" y="1179846"/>
-            <a:ext cx="11009961" cy="1807837"/>
+            <a:ext cx="11100519" cy="1807837"/>
           </a:xfrm>
           <a:prstGeom prst="rect">
             <a:avLst/>

--- a/RSA_Presentations/RSA_Research_Presentation_AronSchwartz.pptx
+++ b/RSA_Presentations/RSA_Research_Presentation_AronSchwartz.pptx
@@ -376,7 +376,7 @@
           <a:p>
             <a:fld id="{9184DA70-C731-4C70-880D-CCD4705E623C}" type="datetime1">
               <a:rPr lang="en-US" smtClean="0"/>
-              <a:t>8/1/2020</a:t>
+              <a:t>8/2/2020</a:t>
             </a:fld>
             <a:endParaRPr lang="en-US" dirty="0"/>
           </a:p>
@@ -564,7 +564,7 @@
           <a:p>
             <a:fld id="{B612A279-0833-481D-8C56-F67FD0AC6C50}" type="datetime1">
               <a:rPr lang="en-US" smtClean="0"/>
-              <a:t>8/1/2020</a:t>
+              <a:t>8/2/2020</a:t>
             </a:fld>
             <a:endParaRPr lang="en-US" dirty="0"/>
           </a:p>
@@ -806,7 +806,7 @@
           <a:p>
             <a:fld id="{6587DA83-5663-4C9C-B9AA-0B40A3DAFF81}" type="datetime1">
               <a:rPr lang="en-US" smtClean="0"/>
-              <a:t>8/1/2020</a:t>
+              <a:t>8/2/2020</a:t>
             </a:fld>
             <a:endParaRPr lang="en-US" dirty="0"/>
           </a:p>
@@ -994,7 +994,7 @@
           <a:p>
             <a:fld id="{4BE1D723-8F53-4F53-90B0-1982A396982E}" type="datetime1">
               <a:rPr lang="en-US" smtClean="0"/>
-              <a:t>8/1/2020</a:t>
+              <a:t>8/2/2020</a:t>
             </a:fld>
             <a:endParaRPr lang="en-US" dirty="0"/>
           </a:p>
@@ -1367,7 +1367,7 @@
           <a:p>
             <a:fld id="{97669AF7-7BEB-44E4-9852-375E34362B5B}" type="datetime1">
               <a:rPr lang="en-US" smtClean="0"/>
-              <a:t>8/1/2020</a:t>
+              <a:t>8/2/2020</a:t>
             </a:fld>
             <a:endParaRPr lang="en-US" dirty="0"/>
           </a:p>
@@ -1622,7 +1622,7 @@
           <a:p>
             <a:fld id="{BAAAC38D-0552-4C82-B593-E6124DFADBE2}" type="datetime1">
               <a:rPr lang="en-US" smtClean="0"/>
-              <a:t>8/1/2020</a:t>
+              <a:t>8/2/2020</a:t>
             </a:fld>
             <a:endParaRPr lang="en-US" dirty="0"/>
           </a:p>
@@ -2019,7 +2019,7 @@
           <a:p>
             <a:fld id="{D9DF0F1C-5577-4ACB-BB62-DF8F3C494C7E}" type="datetime1">
               <a:rPr lang="en-US" smtClean="0"/>
-              <a:t>8/1/2020</a:t>
+              <a:t>8/2/2020</a:t>
             </a:fld>
             <a:endParaRPr lang="en-US" dirty="0"/>
           </a:p>
@@ -2155,7 +2155,7 @@
           <a:p>
             <a:fld id="{1775B394-D9F9-4F0C-B15D-605F45CB9E9F}" type="datetime1">
               <a:rPr lang="en-US" smtClean="0"/>
-              <a:t>8/1/2020</a:t>
+              <a:t>8/2/2020</a:t>
             </a:fld>
             <a:endParaRPr lang="en-US" dirty="0"/>
           </a:p>
@@ -2312,7 +2312,7 @@
           <a:p>
             <a:fld id="{39667345-2558-425A-8533-9BFDBCE15005}" type="datetime1">
               <a:rPr lang="en-US" smtClean="0"/>
-              <a:t>8/1/2020</a:t>
+              <a:t>8/2/2020</a:t>
             </a:fld>
             <a:endParaRPr lang="en-US" dirty="0"/>
           </a:p>
@@ -2641,7 +2641,7 @@
           <a:p>
             <a:fld id="{92BEA474-078D-4E9B-9B14-09A87B19DC46}" type="datetime1">
               <a:rPr lang="en-US" smtClean="0"/>
-              <a:t>8/1/2020</a:t>
+              <a:t>8/2/2020</a:t>
             </a:fld>
             <a:endParaRPr lang="en-US" dirty="0"/>
           </a:p>
@@ -2991,7 +2991,7 @@
           <a:p>
             <a:fld id="{4907D986-8816-4272-A432-0437A28A9828}" type="datetime1">
               <a:rPr lang="en-US" smtClean="0"/>
-              <a:t>8/1/2020</a:t>
+              <a:t>8/2/2020</a:t>
             </a:fld>
             <a:endParaRPr lang="en-US" dirty="0"/>
           </a:p>
@@ -3252,7 +3252,7 @@
           <a:p>
             <a:fld id="{62D6E202-B606-4609-B914-27C9371A1F6D}" type="datetime1">
               <a:rPr lang="en-US" smtClean="0"/>
-              <a:t>8/1/2020</a:t>
+              <a:t>8/2/2020</a:t>
             </a:fld>
             <a:endParaRPr lang="en-US" dirty="0"/>
           </a:p>
@@ -7433,8 +7433,68 @@
               <a:buAutoNum type="arabicPeriod"/>
             </a:pPr>
             <a:r>
+              <a:rPr lang="en-US" sz="2400" b="1" dirty="0"/>
+              <a:t>Part 1</a:t>
+            </a:r>
+          </a:p>
+          <a:p>
+            <a:pPr marL="749808" lvl="1" indent="-457200">
+              <a:buFont typeface="+mj-lt"/>
+              <a:buAutoNum type="arabicPeriod"/>
+            </a:pPr>
+            <a:r>
               <a:rPr lang="en-US" dirty="0"/>
               <a:t>What is RSA Encryption?</a:t>
+            </a:r>
+          </a:p>
+          <a:p>
+            <a:pPr marL="749808" lvl="1" indent="-457200">
+              <a:buFont typeface="+mj-lt"/>
+              <a:buAutoNum type="arabicPeriod"/>
+            </a:pPr>
+            <a:r>
+              <a:rPr lang="en-US" dirty="0"/>
+              <a:t>Fixed Points Overview</a:t>
+            </a:r>
+          </a:p>
+          <a:p>
+            <a:pPr marL="749808" lvl="1" indent="-457200">
+              <a:buFont typeface="+mj-lt"/>
+              <a:buAutoNum type="arabicPeriod"/>
+            </a:pPr>
+            <a:r>
+              <a:rPr lang="en-US" dirty="0"/>
+              <a:t>Totient Patterns and Transparency Profiles</a:t>
+            </a:r>
+          </a:p>
+          <a:p>
+            <a:pPr marL="749808" lvl="1" indent="-457200">
+              <a:buFont typeface="+mj-lt"/>
+              <a:buAutoNum type="arabicPeriod"/>
+            </a:pPr>
+            <a:r>
+              <a:rPr lang="en-US" dirty="0"/>
+              <a:t>Implications and future work</a:t>
+            </a:r>
+          </a:p>
+          <a:p>
+            <a:pPr marL="749808" lvl="1" indent="-457200">
+              <a:buFont typeface="+mj-lt"/>
+              <a:buAutoNum type="arabicPeriod"/>
+            </a:pPr>
+            <a:r>
+              <a:rPr lang="en-US" dirty="0"/>
+              <a:t>Research Tool Development</a:t>
+            </a:r>
+          </a:p>
+          <a:p>
+            <a:pPr marL="749808" lvl="1" indent="-457200">
+              <a:buFont typeface="+mj-lt"/>
+              <a:buAutoNum type="arabicPeriod"/>
+            </a:pPr>
+            <a:r>
+              <a:rPr lang="en-US" dirty="0"/>
+              <a:t>Questions?</a:t>
             </a:r>
           </a:p>
           <a:p>
@@ -7443,59 +7503,26 @@
               <a:buAutoNum type="arabicPeriod"/>
             </a:pPr>
             <a:r>
-              <a:rPr lang="en-US" dirty="0"/>
-              <a:t>Fixed Points Overview</a:t>
-            </a:r>
-          </a:p>
-          <a:p>
-            <a:pPr marL="457200" indent="-457200">
+              <a:rPr lang="en-US" sz="2400" b="1" dirty="0"/>
+              <a:t>Part 2</a:t>
+            </a:r>
+          </a:p>
+          <a:p>
+            <a:pPr marL="749808" lvl="1" indent="-457200">
               <a:buFont typeface="+mj-lt"/>
               <a:buAutoNum type="arabicPeriod"/>
             </a:pPr>
             <a:r>
               <a:rPr lang="en-US" dirty="0"/>
-              <a:t>Totient Patterns and Transparency Profiles</a:t>
-            </a:r>
-          </a:p>
-          <a:p>
-            <a:pPr marL="457200" indent="-457200">
+              <a:t>Demonstration and code walkthrough </a:t>
+            </a:r>
+          </a:p>
+          <a:p>
+            <a:pPr marL="749808" lvl="1" indent="-457200">
               <a:buFont typeface="+mj-lt"/>
               <a:buAutoNum type="arabicPeriod"/>
             </a:pPr>
-            <a:r>
-              <a:rPr lang="en-US" dirty="0"/>
-              <a:t>Implications and future work</a:t>
-            </a:r>
-          </a:p>
-          <a:p>
-            <a:pPr marL="457200" indent="-457200">
-              <a:buFont typeface="+mj-lt"/>
-              <a:buAutoNum type="arabicPeriod"/>
-            </a:pPr>
-            <a:r>
-              <a:rPr lang="en-US" dirty="0"/>
-              <a:t>Research Tool Development</a:t>
-            </a:r>
-          </a:p>
-          <a:p>
-            <a:pPr marL="457200" indent="-457200">
-              <a:buFont typeface="+mj-lt"/>
-              <a:buAutoNum type="arabicPeriod"/>
-            </a:pPr>
-            <a:r>
-              <a:rPr lang="en-US" dirty="0"/>
-              <a:t>Questions?</a:t>
-            </a:r>
-          </a:p>
-          <a:p>
-            <a:pPr marL="457200" indent="-457200">
-              <a:buFont typeface="+mj-lt"/>
-              <a:buAutoNum type="arabicPeriod"/>
-            </a:pPr>
-            <a:r>
-              <a:rPr lang="en-US" dirty="0"/>
-              <a:t>Demonstration and code walkthrough if time</a:t>
-            </a:r>
+            <a:endParaRPr lang="en-US" dirty="0"/>
           </a:p>
         </p:txBody>
       </p:sp>
